--- a/DualAccounts-Explained-230814JH.pptx
+++ b/DualAccounts-Explained-230814JH.pptx
@@ -15,12 +15,12 @@
     <p:sldId id="960" r:id="rId6"/>
     <p:sldId id="959" r:id="rId7"/>
     <p:sldId id="296" r:id="rId8"/>
-    <p:sldId id="962" r:id="rId9"/>
-    <p:sldId id="963" r:id="rId10"/>
-    <p:sldId id="961" r:id="rId11"/>
-    <p:sldId id="964" r:id="rId12"/>
-    <p:sldId id="965" r:id="rId13"/>
-    <p:sldId id="966" r:id="rId14"/>
+    <p:sldId id="967" r:id="rId9"/>
+    <p:sldId id="962" r:id="rId10"/>
+    <p:sldId id="963" r:id="rId11"/>
+    <p:sldId id="961" r:id="rId12"/>
+    <p:sldId id="964" r:id="rId13"/>
+    <p:sldId id="965" r:id="rId14"/>
   </p:sldIdLst>
   <p:sldSz cx="12192000" cy="6858000"/>
   <p:notesSz cx="6858000" cy="9144000"/>
@@ -271,7 +271,7 @@
           <a:p>
             <a:fld id="{217AFFCC-9DA3-3A4C-8521-FD6F69A17474}" type="datetimeFigureOut">
               <a:rPr lang="en-US" smtClean="0"/>
-              <a:t>8/19/23</a:t>
+              <a:t>8/22/23</a:t>
             </a:fld>
             <a:endParaRPr lang="en-US"/>
           </a:p>
@@ -448,7 +448,7 @@
           <a:p>
             <a:fld id="{C9EE3E59-265C-F647-951E-CCF2602826BF}" type="datetimeFigureOut">
               <a:rPr lang="en-US" smtClean="0"/>
-              <a:t>8/19/23</a:t>
+              <a:t>8/22/23</a:t>
             </a:fld>
             <a:endParaRPr lang="en-US"/>
           </a:p>
@@ -17509,7 +17509,7 @@
           <p:cNvPr id="2" name="Title 1">
             <a:extLst>
               <a:ext uri="{FF2B5EF4-FFF2-40B4-BE49-F238E27FC236}">
-                <a16:creationId xmlns:a16="http://schemas.microsoft.com/office/drawing/2014/main" id="{0DB9AADC-FA61-AE4F-9093-44619D55488F}"/>
+                <a16:creationId xmlns:a16="http://schemas.microsoft.com/office/drawing/2014/main" id="{2A359213-24AC-9E46-9B5B-B0DB0F96BAED}"/>
               </a:ext>
             </a:extLst>
           </p:cNvPr>
@@ -17527,7 +17527,7 @@
           <a:p>
             <a:r>
               <a:rPr lang="en-US" dirty="0"/>
-              <a:t>Option: Automate Dual Account Creation</a:t>
+              <a:t>Step 4: Test Dual Account password rotation</a:t>
             </a:r>
           </a:p>
         </p:txBody>
@@ -17537,7 +17537,7 @@
           <p:cNvPr id="3" name="Content Placeholder 2">
             <a:extLst>
               <a:ext uri="{FF2B5EF4-FFF2-40B4-BE49-F238E27FC236}">
-                <a16:creationId xmlns:a16="http://schemas.microsoft.com/office/drawing/2014/main" id="{A91F5099-0BB5-D344-8EE7-C5981F51856C}"/>
+                <a16:creationId xmlns:a16="http://schemas.microsoft.com/office/drawing/2014/main" id="{C9A400D1-13F7-CB48-A1E6-F29325C3F39D}"/>
               </a:ext>
             </a:extLst>
           </p:cNvPr>
@@ -17548,32 +17548,94 @@
             <p:ph idx="1"/>
           </p:nvPr>
         </p:nvSpPr>
-        <p:spPr/>
+        <p:spPr>
+          <a:xfrm>
+            <a:off x="600205" y="1374942"/>
+            <a:ext cx="10986369" cy="5316004"/>
+          </a:xfrm>
+        </p:spPr>
         <p:txBody>
-          <a:bodyPr/>
+          <a:bodyPr>
+            <a:normAutofit/>
+          </a:bodyPr>
           <a:lstStyle/>
           <a:p>
             <a:r>
               <a:rPr lang="en-US" dirty="0"/>
-              <a:t>It is well worth configuring Dual Accounts manually at least once to really understand how they work.</a:t>
+              <a:t>In PVWA, click on one of the two accounts (doesn’t matter which one) and click “Change”</a:t>
             </a:r>
           </a:p>
           <a:p>
             <a:r>
               <a:rPr lang="en-US" dirty="0"/>
-              <a:t>But the process can be automated, and there are a couple of shell script implementations for doing do.</a:t>
+              <a:t>Click “Open” and the account will open with the classic UI.</a:t>
             </a:r>
           </a:p>
           <a:p>
             <a:r>
               <a:rPr lang="en-US" dirty="0"/>
-              <a:t>Before using the automation option, make sure you thoroughly understand all the material in this presentation.</a:t>
+              <a:t>Under Account Details, click “Change”, the click “Ok” to trigger immediate password change for the entire group.</a:t>
             </a:r>
           </a:p>
           <a:p>
             <a:r>
               <a:rPr lang="en-US" dirty="0"/>
-              <a:t>Then if something goes wrong, you’ll be better able to debug and correct it.</a:t>
+              <a:t>Monitor the change process clicking Refresh until you see the </a:t>
+            </a:r>
+            <a:r>
+              <a:rPr lang="en-US" dirty="0" err="1"/>
+              <a:t>DualAccountStatus</a:t>
+            </a:r>
+            <a:r>
+              <a:rPr lang="en-US" dirty="0"/>
+              <a:t> change.</a:t>
+            </a:r>
+          </a:p>
+          <a:p>
+            <a:r>
+              <a:rPr lang="en-US" dirty="0"/>
+              <a:t>Start your timer and when the </a:t>
+            </a:r>
+            <a:r>
+              <a:rPr lang="en-US" dirty="0" err="1"/>
+              <a:t>GracePeriod</a:t>
+            </a:r>
+            <a:r>
+              <a:rPr lang="en-US" dirty="0"/>
+              <a:t> has elapsed, check to that the Inactive account’s password has changed in the account and target system.</a:t>
+            </a:r>
+          </a:p>
+          <a:p>
+            <a:r>
+              <a:rPr lang="en-US" dirty="0"/>
+              <a:t>Correct any errors and try again.</a:t>
+            </a:r>
+          </a:p>
+          <a:p>
+            <a:r>
+              <a:rPr lang="en-US" dirty="0"/>
+              <a:t>Typical errors are:</a:t>
+            </a:r>
+          </a:p>
+          <a:p>
+            <a:pPr lvl="1"/>
+            <a:r>
+              <a:rPr lang="en-US" dirty="0"/>
+              <a:t>Incorrect or missing account properties: address, database, port, user</a:t>
+            </a:r>
+          </a:p>
+          <a:p>
+            <a:pPr lvl="1"/>
+            <a:r>
+              <a:rPr lang="en-US" dirty="0"/>
+              <a:t>Port not open to the CPM’s IP address. To find that in Privilege Cloud, navigate to System Health-&gt;CPM and Accounts Discovery</a:t>
+            </a:r>
+          </a:p>
+          <a:p>
+            <a:pPr lvl="1"/>
+            <a:r>
+              <a:rPr lang="en-US" dirty="0"/>
+              <a:t>Incorrect CPM driver for the target system.</a:t>
             </a:r>
           </a:p>
         </p:txBody>
@@ -17583,7 +17645,7 @@
           <p:cNvPr id="4" name="Slide Number Placeholder 3">
             <a:extLst>
               <a:ext uri="{FF2B5EF4-FFF2-40B4-BE49-F238E27FC236}">
-                <a16:creationId xmlns:a16="http://schemas.microsoft.com/office/drawing/2014/main" id="{CFB9EED8-40EC-3D4B-A4B0-1EAF3B1A3F4C}"/>
+                <a16:creationId xmlns:a16="http://schemas.microsoft.com/office/drawing/2014/main" id="{AA4E0AAD-8A41-D141-9720-BA5B0CB43118}"/>
               </a:ext>
             </a:extLst>
           </p:cNvPr>
@@ -17611,7 +17673,7 @@
     </p:spTree>
     <p:extLst>
       <p:ext uri="{BB962C8B-B14F-4D97-AF65-F5344CB8AC3E}">
-        <p14:creationId xmlns:p14="http://schemas.microsoft.com/office/powerpoint/2010/main" val="3180503158"/>
+        <p14:creationId xmlns:p14="http://schemas.microsoft.com/office/powerpoint/2010/main" val="1579025417"/>
       </p:ext>
     </p:extLst>
   </p:cSld>
@@ -24748,10 +24810,10 @@
       </p:grpSpPr>
       <p:sp>
         <p:nvSpPr>
-          <p:cNvPr id="2" name="Title 1">
-            <a:extLst>
-              <a:ext uri="{FF2B5EF4-FFF2-40B4-BE49-F238E27FC236}">
-                <a16:creationId xmlns:a16="http://schemas.microsoft.com/office/drawing/2014/main" id="{6CD006A6-6643-E548-9DE1-72AB2E67B2E2}"/>
+          <p:cNvPr id="3" name="Title 2">
+            <a:extLst>
+              <a:ext uri="{FF2B5EF4-FFF2-40B4-BE49-F238E27FC236}">
+                <a16:creationId xmlns:a16="http://schemas.microsoft.com/office/drawing/2014/main" id="{0E75320D-B9B4-404C-8C3A-8545A27A2931}"/>
               </a:ext>
             </a:extLst>
           </p:cNvPr>
@@ -24769,17 +24831,17 @@
           <a:p>
             <a:r>
               <a:rPr lang="en-US" dirty="0"/>
-              <a:t>Dual Account Configuration Overview</a:t>
+              <a:t>Dual Accounts Automation</a:t>
             </a:r>
           </a:p>
         </p:txBody>
       </p:sp>
       <p:sp>
         <p:nvSpPr>
-          <p:cNvPr id="3" name="Content Placeholder 2">
-            <a:extLst>
-              <a:ext uri="{FF2B5EF4-FFF2-40B4-BE49-F238E27FC236}">
-                <a16:creationId xmlns:a16="http://schemas.microsoft.com/office/drawing/2014/main" id="{AF3CD4F5-DC90-5048-AA85-84008FDD3636}"/>
+          <p:cNvPr id="4" name="Content Placeholder 3">
+            <a:extLst>
+              <a:ext uri="{FF2B5EF4-FFF2-40B4-BE49-F238E27FC236}">
+                <a16:creationId xmlns:a16="http://schemas.microsoft.com/office/drawing/2014/main" id="{9E1B9B3F-648D-DB4F-9E52-64C7BC5A62A4}"/>
               </a:ext>
             </a:extLst>
           </p:cNvPr>
@@ -24790,320 +24852,62 @@
             <p:ph idx="1"/>
           </p:nvPr>
         </p:nvSpPr>
-        <p:spPr>
-          <a:xfrm>
-            <a:off x="600205" y="1028433"/>
-            <a:ext cx="10986369" cy="5699626"/>
-          </a:xfrm>
-        </p:spPr>
+        <p:spPr/>
         <p:txBody>
-          <a:bodyPr>
-            <a:noAutofit/>
-          </a:bodyPr>
+          <a:bodyPr/>
           <a:lstStyle/>
           <a:p>
-            <a:pPr>
-              <a:spcBef>
-                <a:spcPts val="400"/>
-              </a:spcBef>
-            </a:pPr>
             <a:r>
               <a:rPr lang="en-US" dirty="0"/>
-              <a:t>Dual Accounts are currently documented under the Central Credential Provider:</a:t>
-            </a:r>
-          </a:p>
-          <a:p>
-            <a:pPr lvl="1">
-              <a:spcBef>
-                <a:spcPts val="400"/>
-              </a:spcBef>
-            </a:pPr>
-            <a:r>
-              <a:rPr lang="en-US" dirty="0">
-                <a:hlinkClick r:id="rId2"/>
-              </a:rPr>
-              <a:t>Home &gt; Administration &gt; Central Credential Provider &gt; Accounts and Safes &gt; Manage dual accounts</a:t>
-            </a:r>
+              <a:t>For Platforms in the ./</a:t>
+            </a:r>
+            <a:r>
+              <a:rPr lang="en-US" dirty="0" err="1"/>
+              <a:t>platformlib</a:t>
+            </a:r>
+            <a:r>
+              <a:rPr lang="en-US" dirty="0"/>
+              <a:t> directory (the “Platform Library”), the scripts in the Dual Accounts Accelerator automate the tasks required to create Dual Accounts in Self-Hosted or Privilege Cloud vaults.</a:t>
+            </a:r>
+          </a:p>
+          <a:p>
+            <a:r>
+              <a:rPr lang="en-US" dirty="0"/>
+              <a:t>It is well worth configuring Dual Accounts manually at least once to really understand how they work.</a:t>
+            </a:r>
+          </a:p>
+          <a:p>
+            <a:r>
+              <a:rPr lang="en-US" dirty="0"/>
+              <a:t>But the process can be automated, and there are a couple of other shell script implementations referenced in the documentation for doing do.</a:t>
+            </a:r>
+          </a:p>
+          <a:p>
+            <a:r>
+              <a:rPr lang="en-US" dirty="0"/>
+              <a:t>Before using the automation option, make sure you thoroughly understand all the material in this presentation.</a:t>
+            </a:r>
+          </a:p>
+          <a:p>
+            <a:r>
+              <a:rPr lang="en-US" dirty="0"/>
+              <a:t>Then if something goes wrong, you’ll be better able to debug and correct it.</a:t>
+            </a:r>
+          </a:p>
+          <a:p>
             <a:endParaRPr lang="en-US" dirty="0"/>
           </a:p>
           <a:p>
-            <a:pPr>
-              <a:spcBef>
-                <a:spcPts val="400"/>
-              </a:spcBef>
-            </a:pPr>
-            <a:r>
-              <a:rPr lang="en-US" dirty="0"/>
-              <a:t>The steps below map to the steps in documentation. The steps in the slides deviate somewhat from the </a:t>
-            </a:r>
-            <a:r>
-              <a:rPr lang="en-US" dirty="0">
-                <a:hlinkClick r:id="rId3"/>
-              </a:rPr>
-              <a:t>manual configuration steps </a:t>
-            </a:r>
-            <a:r>
-              <a:rPr lang="en-US" dirty="0"/>
-              <a:t>in the documentation. But they have the same effect. The manual configuration steps in the online docs also work for Privilege Cloud.</a:t>
-            </a:r>
-          </a:p>
-          <a:p>
-            <a:pPr>
-              <a:spcBef>
-                <a:spcPts val="400"/>
-              </a:spcBef>
-            </a:pPr>
             <a:endParaRPr lang="en-US" dirty="0"/>
-          </a:p>
-          <a:p>
-            <a:pPr>
-              <a:spcBef>
-                <a:spcPts val="400"/>
-              </a:spcBef>
-            </a:pPr>
-            <a:r>
-              <a:rPr lang="en-US" dirty="0"/>
-              <a:t>Each step below has its own slide with more detailed instructions.</a:t>
-            </a:r>
-          </a:p>
-          <a:p>
-            <a:pPr>
-              <a:spcBef>
-                <a:spcPts val="400"/>
-              </a:spcBef>
-            </a:pPr>
-            <a:r>
-              <a:rPr lang="en-US" b="1" dirty="0"/>
-              <a:t>Step 1</a:t>
-            </a:r>
-            <a:r>
-              <a:rPr lang="en-US" dirty="0"/>
-              <a:t>: “Configure a rotational group platform”</a:t>
-            </a:r>
-          </a:p>
-          <a:p>
-            <a:pPr lvl="1">
-              <a:spcBef>
-                <a:spcPts val="400"/>
-              </a:spcBef>
-            </a:pPr>
-            <a:r>
-              <a:rPr lang="en-US" dirty="0"/>
-              <a:t>A Rotational Group Platform is an Account Group Platform with important differences:</a:t>
-            </a:r>
-          </a:p>
-          <a:p>
-            <a:pPr lvl="2">
-              <a:spcBef>
-                <a:spcPts val="400"/>
-              </a:spcBef>
-            </a:pPr>
-            <a:r>
-              <a:rPr lang="en-US" dirty="0"/>
-              <a:t>Its </a:t>
-            </a:r>
-            <a:r>
-              <a:rPr lang="en-US" dirty="0" err="1"/>
-              <a:t>PlatformType</a:t>
-            </a:r>
-            <a:r>
-              <a:rPr lang="en-US" dirty="0"/>
-              <a:t> is </a:t>
-            </a:r>
-            <a:r>
-              <a:rPr lang="en-US" dirty="0" err="1"/>
-              <a:t>RotationalGroup</a:t>
-            </a:r>
-            <a:endParaRPr lang="en-US" dirty="0"/>
-          </a:p>
-          <a:p>
-            <a:pPr lvl="2">
-              <a:spcBef>
-                <a:spcPts val="400"/>
-              </a:spcBef>
-            </a:pPr>
-            <a:r>
-              <a:rPr lang="en-US" dirty="0"/>
-              <a:t>It contains an additional password change parameter called </a:t>
-            </a:r>
-            <a:r>
-              <a:rPr lang="en-US" dirty="0" err="1"/>
-              <a:t>GracePeriod</a:t>
-            </a:r>
-            <a:endParaRPr lang="en-US" dirty="0"/>
-          </a:p>
-          <a:p>
-            <a:pPr lvl="2">
-              <a:spcBef>
-                <a:spcPts val="400"/>
-              </a:spcBef>
-            </a:pPr>
-            <a:r>
-              <a:rPr lang="en-US" dirty="0"/>
-              <a:t>It defines additional properties representing the state of individual sets of dual accounts: </a:t>
-            </a:r>
-            <a:r>
-              <a:rPr lang="en-US" dirty="0" err="1"/>
-              <a:t>CurrInd</a:t>
-            </a:r>
-            <a:r>
-              <a:rPr lang="en-US" dirty="0"/>
-              <a:t>, Index, </a:t>
-            </a:r>
-            <a:r>
-              <a:rPr lang="en-US" dirty="0" err="1"/>
-              <a:t>VirtualUserName</a:t>
-            </a:r>
-            <a:r>
-              <a:rPr lang="en-US" dirty="0"/>
-              <a:t>, </a:t>
-            </a:r>
-            <a:r>
-              <a:rPr lang="en-US" dirty="0" err="1"/>
-              <a:t>DualAccountStatus</a:t>
-            </a:r>
-            <a:endParaRPr lang="en-US" dirty="0"/>
-          </a:p>
-          <a:p>
-            <a:pPr lvl="1">
-              <a:spcBef>
-                <a:spcPts val="400"/>
-              </a:spcBef>
-            </a:pPr>
-            <a:r>
-              <a:rPr lang="en-US" dirty="0"/>
-              <a:t>There is no need for more than one Rotational Group Platform unless you want to have groups with different Grace Periods.</a:t>
-            </a:r>
-          </a:p>
-          <a:p>
-            <a:pPr>
-              <a:spcBef>
-                <a:spcPts val="400"/>
-              </a:spcBef>
-            </a:pPr>
-            <a:r>
-              <a:rPr lang="en-US" b="1" dirty="0"/>
-              <a:t>Step 2: </a:t>
-            </a:r>
-            <a:r>
-              <a:rPr lang="en-US" dirty="0"/>
-              <a:t>“Configure the object’s platform for dual account support”</a:t>
-            </a:r>
-          </a:p>
-          <a:p>
-            <a:pPr lvl="1">
-              <a:spcBef>
-                <a:spcPts val="400"/>
-              </a:spcBef>
-            </a:pPr>
-            <a:r>
-              <a:rPr lang="en-US" dirty="0"/>
-              <a:t>This entails modifying a target account platform to add three additional properties: Index, </a:t>
-            </a:r>
-            <a:r>
-              <a:rPr lang="en-US" dirty="0" err="1"/>
-              <a:t>VirtualUserName</a:t>
-            </a:r>
-            <a:r>
-              <a:rPr lang="en-US" dirty="0"/>
-              <a:t>, </a:t>
-            </a:r>
-            <a:r>
-              <a:rPr lang="en-US" dirty="0" err="1"/>
-              <a:t>DualAccountStatus</a:t>
-            </a:r>
-            <a:endParaRPr lang="en-US" dirty="0"/>
-          </a:p>
-          <a:p>
-            <a:pPr>
-              <a:spcBef>
-                <a:spcPts val="400"/>
-              </a:spcBef>
-            </a:pPr>
-            <a:r>
-              <a:rPr lang="en-US" b="1" dirty="0"/>
-              <a:t>Step3: </a:t>
-            </a:r>
-            <a:r>
-              <a:rPr lang="en-US" dirty="0"/>
-              <a:t>“Configure accounts and groups for dual account support”</a:t>
-            </a:r>
-          </a:p>
-          <a:p>
-            <a:pPr lvl="1">
-              <a:spcBef>
-                <a:spcPts val="400"/>
-              </a:spcBef>
-            </a:pPr>
-            <a:r>
-              <a:rPr lang="en-US" dirty="0"/>
-              <a:t>To see the CPM tab and create groups, the safe must have a CPM assigned to it.</a:t>
-            </a:r>
-          </a:p>
-          <a:p>
-            <a:pPr lvl="1">
-              <a:spcBef>
-                <a:spcPts val="400"/>
-              </a:spcBef>
-            </a:pPr>
-            <a:r>
-              <a:rPr lang="en-US" dirty="0"/>
-              <a:t>Account groups are not first-class UI objects in PVWA. They do not have their own pages for managing their lifecycle. In PVWA, they only appear in the classic UI on account pages under the CPM tab. </a:t>
-            </a:r>
-          </a:p>
-          <a:p>
-            <a:pPr>
-              <a:spcBef>
-                <a:spcPts val="400"/>
-              </a:spcBef>
-            </a:pPr>
-            <a:r>
-              <a:rPr lang="en-US" b="1" dirty="0"/>
-              <a:t>Step 4: </a:t>
-            </a:r>
-            <a:r>
-              <a:rPr lang="en-US" dirty="0"/>
-              <a:t>“Set the index of the group object”</a:t>
-            </a:r>
-          </a:p>
-          <a:p>
-            <a:pPr lvl="1">
-              <a:spcBef>
-                <a:spcPts val="400"/>
-              </a:spcBef>
-            </a:pPr>
-            <a:r>
-              <a:rPr lang="en-US" dirty="0"/>
-              <a:t>The documentation calls for using the Private Ark Client to modify the </a:t>
-            </a:r>
-            <a:r>
-              <a:rPr lang="en-US" dirty="0" err="1"/>
-              <a:t>CurrInd</a:t>
-            </a:r>
-            <a:r>
-              <a:rPr lang="en-US" dirty="0"/>
-              <a:t> value of a group.</a:t>
-            </a:r>
-          </a:p>
-          <a:p>
-            <a:pPr lvl="1">
-              <a:spcBef>
-                <a:spcPts val="400"/>
-              </a:spcBef>
-            </a:pPr>
-            <a:r>
-              <a:rPr lang="en-US" dirty="0"/>
-              <a:t>Fortunately, this step does not appear necessary, given that you cannot use the Private Ark Client with Privilege Cloud.</a:t>
-            </a:r>
           </a:p>
         </p:txBody>
       </p:sp>
       <p:sp>
         <p:nvSpPr>
-          <p:cNvPr id="4" name="Slide Number Placeholder 3">
-            <a:extLst>
-              <a:ext uri="{FF2B5EF4-FFF2-40B4-BE49-F238E27FC236}">
-                <a16:creationId xmlns:a16="http://schemas.microsoft.com/office/drawing/2014/main" id="{E54EB7C1-5E64-0B48-9854-FB655EF861E0}"/>
+          <p:cNvPr id="2" name="Slide Number Placeholder 1">
+            <a:extLst>
+              <a:ext uri="{FF2B5EF4-FFF2-40B4-BE49-F238E27FC236}">
+                <a16:creationId xmlns:a16="http://schemas.microsoft.com/office/drawing/2014/main" id="{787F5126-28E8-C34D-8A03-A5A4A69BC6F5}"/>
               </a:ext>
             </a:extLst>
           </p:cNvPr>
@@ -25119,7 +24923,7 @@
           <a:bodyPr/>
           <a:lstStyle/>
           <a:p>
-            <a:fld id="{9C4DAF8E-FDD9-D749-9BB5-653BA8DA8860}" type="slidenum">
+            <a:fld id="{3DB5E446-421A-E746-A83E-D1D14D8D9CBB}" type="slidenum">
               <a:rPr lang="en-US" smtClean="0"/>
               <a:pPr/>
               <a:t>5</a:t>
@@ -25131,7 +24935,7 @@
     </p:spTree>
     <p:extLst>
       <p:ext uri="{BB962C8B-B14F-4D97-AF65-F5344CB8AC3E}">
-        <p14:creationId xmlns:p14="http://schemas.microsoft.com/office/powerpoint/2010/main" val="710295219"/>
+        <p14:creationId xmlns:p14="http://schemas.microsoft.com/office/powerpoint/2010/main" val="1920727502"/>
       </p:ext>
     </p:extLst>
   </p:cSld>
@@ -25163,7 +24967,7 @@
           <p:cNvPr id="2" name="Title 1">
             <a:extLst>
               <a:ext uri="{FF2B5EF4-FFF2-40B4-BE49-F238E27FC236}">
-                <a16:creationId xmlns:a16="http://schemas.microsoft.com/office/drawing/2014/main" id="{C059E681-A669-4848-B39E-3DDA42ED3C50}"/>
+                <a16:creationId xmlns:a16="http://schemas.microsoft.com/office/drawing/2014/main" id="{6CD006A6-6643-E548-9DE1-72AB2E67B2E2}"/>
               </a:ext>
             </a:extLst>
           </p:cNvPr>
@@ -25174,19 +24978,14 @@
             <p:ph type="title"/>
           </p:nvPr>
         </p:nvSpPr>
-        <p:spPr>
-          <a:xfrm>
-            <a:off x="625258" y="392374"/>
-            <a:ext cx="10961316" cy="553998"/>
-          </a:xfrm>
-        </p:spPr>
+        <p:spPr/>
         <p:txBody>
           <a:bodyPr/>
           <a:lstStyle/>
           <a:p>
             <a:r>
               <a:rPr lang="en-US" dirty="0"/>
-              <a:t>Step 1: “Configure a rotational group platform”</a:t>
+              <a:t>Dual Account Configuration Overview</a:t>
             </a:r>
           </a:p>
         </p:txBody>
@@ -25196,7 +24995,7 @@
           <p:cNvPr id="3" name="Content Placeholder 2">
             <a:extLst>
               <a:ext uri="{FF2B5EF4-FFF2-40B4-BE49-F238E27FC236}">
-                <a16:creationId xmlns:a16="http://schemas.microsoft.com/office/drawing/2014/main" id="{A3A86755-E551-4F44-BFD5-EC6561EB884F}"/>
+                <a16:creationId xmlns:a16="http://schemas.microsoft.com/office/drawing/2014/main" id="{AF3CD4F5-DC90-5048-AA85-84008FDD3636}"/>
               </a:ext>
             </a:extLst>
           </p:cNvPr>
@@ -25209,8 +25008,8 @@
         </p:nvSpPr>
         <p:spPr>
           <a:xfrm>
-            <a:off x="600205" y="1047683"/>
-            <a:ext cx="10986369" cy="5285739"/>
+            <a:off x="600205" y="1028433"/>
+            <a:ext cx="10986369" cy="5699626"/>
           </a:xfrm>
         </p:spPr>
         <p:txBody>
@@ -25225,16 +25024,8 @@
               </a:spcBef>
             </a:pPr>
             <a:r>
-              <a:rPr lang="en-US" sz="1200" dirty="0"/>
-              <a:t>Under Groups, activate the Sample Password Group Platform, export it to a local </a:t>
-            </a:r>
-            <a:r>
-              <a:rPr lang="en-US" sz="1200" dirty="0" err="1"/>
-              <a:t>zipfile</a:t>
-            </a:r>
-            <a:r>
-              <a:rPr lang="en-US" sz="1200" dirty="0"/>
-              <a:t> &amp; unzip to create two files:</a:t>
+              <a:rPr lang="en-US" dirty="0"/>
+              <a:t>Dual Accounts are currently documented under the Central Credential Provider:</a:t>
             </a:r>
           </a:p>
           <a:p>
@@ -25244,14 +25035,67 @@
               </a:spcBef>
             </a:pPr>
             <a:r>
-              <a:rPr lang="en-US" sz="1200" dirty="0"/>
-              <a:t>Policy-</a:t>
-            </a:r>
-            <a:r>
-              <a:rPr lang="en-US" sz="1200" dirty="0" err="1"/>
-              <a:t>SampleGroup.ini</a:t>
-            </a:r>
-            <a:endParaRPr lang="en-US" sz="1200" dirty="0"/>
+              <a:rPr lang="en-US" dirty="0">
+                <a:hlinkClick r:id="rId2"/>
+              </a:rPr>
+              <a:t>Home &gt; Administration &gt; Central Credential Provider &gt; Accounts and Safes &gt; Manage dual accounts</a:t>
+            </a:r>
+            <a:endParaRPr lang="en-US" dirty="0"/>
+          </a:p>
+          <a:p>
+            <a:pPr>
+              <a:spcBef>
+                <a:spcPts val="400"/>
+              </a:spcBef>
+            </a:pPr>
+            <a:r>
+              <a:rPr lang="en-US" dirty="0"/>
+              <a:t>The steps below map to the steps in documentation. The steps in the slides deviate somewhat from the </a:t>
+            </a:r>
+            <a:r>
+              <a:rPr lang="en-US" dirty="0">
+                <a:hlinkClick r:id="rId3"/>
+              </a:rPr>
+              <a:t>manual configuration steps </a:t>
+            </a:r>
+            <a:r>
+              <a:rPr lang="en-US" dirty="0"/>
+              <a:t>in the documentation. But they have the same effect. The manual configuration steps in the online docs also work for Privilege Cloud.</a:t>
+            </a:r>
+          </a:p>
+          <a:p>
+            <a:pPr>
+              <a:spcBef>
+                <a:spcPts val="400"/>
+              </a:spcBef>
+            </a:pPr>
+            <a:endParaRPr lang="en-US" dirty="0"/>
+          </a:p>
+          <a:p>
+            <a:pPr>
+              <a:spcBef>
+                <a:spcPts val="400"/>
+              </a:spcBef>
+            </a:pPr>
+            <a:r>
+              <a:rPr lang="en-US" dirty="0"/>
+              <a:t>Each step below has its own slide with more detailed instructions.</a:t>
+            </a:r>
+          </a:p>
+          <a:p>
+            <a:pPr>
+              <a:spcBef>
+                <a:spcPts val="400"/>
+              </a:spcBef>
+            </a:pPr>
+            <a:r>
+              <a:rPr lang="en-US" b="1" dirty="0"/>
+              <a:t>Step 1</a:t>
+            </a:r>
+            <a:r>
+              <a:rPr lang="en-US" dirty="0"/>
+              <a:t>: “Configure a rotational group platform”</a:t>
+            </a:r>
           </a:p>
           <a:p>
             <a:pPr lvl="1">
@@ -25260,14 +25104,92 @@
               </a:spcBef>
             </a:pPr>
             <a:r>
-              <a:rPr lang="en-US" sz="1200" dirty="0"/>
-              <a:t>Policy-</a:t>
-            </a:r>
-            <a:r>
-              <a:rPr lang="en-US" sz="1200" dirty="0" err="1"/>
-              <a:t>SampleGroup.xml</a:t>
-            </a:r>
-            <a:endParaRPr lang="en-US" sz="1200" dirty="0"/>
+              <a:rPr lang="en-US" dirty="0"/>
+              <a:t>A Rotational Group Platform is an Account Group Platform with important differences:</a:t>
+            </a:r>
+          </a:p>
+          <a:p>
+            <a:pPr lvl="2">
+              <a:spcBef>
+                <a:spcPts val="400"/>
+              </a:spcBef>
+            </a:pPr>
+            <a:r>
+              <a:rPr lang="en-US" dirty="0"/>
+              <a:t>Its </a:t>
+            </a:r>
+            <a:r>
+              <a:rPr lang="en-US" dirty="0" err="1"/>
+              <a:t>PlatformType</a:t>
+            </a:r>
+            <a:r>
+              <a:rPr lang="en-US" dirty="0"/>
+              <a:t> is </a:t>
+            </a:r>
+            <a:r>
+              <a:rPr lang="en-US" dirty="0" err="1"/>
+              <a:t>RotationalGroup</a:t>
+            </a:r>
+            <a:endParaRPr lang="en-US" dirty="0"/>
+          </a:p>
+          <a:p>
+            <a:pPr lvl="2">
+              <a:spcBef>
+                <a:spcPts val="400"/>
+              </a:spcBef>
+            </a:pPr>
+            <a:r>
+              <a:rPr lang="en-US" dirty="0"/>
+              <a:t>It contains an additional password change parameter called </a:t>
+            </a:r>
+            <a:r>
+              <a:rPr lang="en-US" dirty="0" err="1"/>
+              <a:t>GracePeriod</a:t>
+            </a:r>
+            <a:endParaRPr lang="en-US" dirty="0"/>
+          </a:p>
+          <a:p>
+            <a:pPr lvl="2">
+              <a:spcBef>
+                <a:spcPts val="400"/>
+              </a:spcBef>
+            </a:pPr>
+            <a:r>
+              <a:rPr lang="en-US" dirty="0"/>
+              <a:t>It defines additional properties representing the state of individual sets of dual accounts: </a:t>
+            </a:r>
+            <a:r>
+              <a:rPr lang="en-US" dirty="0" err="1"/>
+              <a:t>CurrInd</a:t>
+            </a:r>
+            <a:r>
+              <a:rPr lang="en-US" dirty="0"/>
+              <a:t>, Index, </a:t>
+            </a:r>
+            <a:r>
+              <a:rPr lang="en-US" dirty="0" err="1"/>
+              <a:t>VirtualUserName</a:t>
+            </a:r>
+            <a:r>
+              <a:rPr lang="en-US" dirty="0"/>
+              <a:t>, </a:t>
+            </a:r>
+            <a:r>
+              <a:rPr lang="en-US" dirty="0" err="1"/>
+              <a:t>DualAccountStatus</a:t>
+            </a:r>
+            <a:endParaRPr lang="en-US" dirty="0"/>
+          </a:p>
+          <a:p>
+            <a:pPr lvl="1">
+              <a:spcBef>
+                <a:spcPts val="400"/>
+              </a:spcBef>
+            </a:pPr>
+            <a:r>
+              <a:rPr lang="en-US" dirty="0"/>
+              <a:t>There is no need for more than one Rotational Group Platform unless you want to have groups with different Grace Periods.</a:t>
+            </a:r>
           </a:p>
           <a:p>
             <a:pPr>
@@ -25276,24 +25198,12 @@
               </a:spcBef>
             </a:pPr>
             <a:r>
-              <a:rPr lang="en-US" sz="1200" dirty="0"/>
-              <a:t>Modify the </a:t>
-            </a:r>
-            <a:r>
-              <a:rPr lang="en-US" sz="1200" b="1" dirty="0"/>
-              <a:t>.</a:t>
-            </a:r>
-            <a:r>
-              <a:rPr lang="en-US" sz="1200" b="1" dirty="0" err="1"/>
-              <a:t>ini</a:t>
-            </a:r>
-            <a:r>
-              <a:rPr lang="en-US" sz="1200" b="1" dirty="0"/>
-              <a:t> </a:t>
-            </a:r>
-            <a:r>
-              <a:rPr lang="en-US" sz="1200" dirty="0"/>
-              <a:t>file:</a:t>
+              <a:rPr lang="en-US" b="1" dirty="0"/>
+              <a:t>Step 2: </a:t>
+            </a:r>
+            <a:r>
+              <a:rPr lang="en-US" dirty="0"/>
+              <a:t>“Configure the object’s platform for dual account support”</a:t>
             </a:r>
           </a:p>
           <a:p>
@@ -25303,30 +25213,37 @@
               </a:spcBef>
             </a:pPr>
             <a:r>
-              <a:rPr lang="en-US" sz="1200" dirty="0"/>
-              <a:t>Change the </a:t>
-            </a:r>
-            <a:r>
-              <a:rPr lang="en-US" sz="1200" dirty="0" err="1"/>
-              <a:t>PolicyID</a:t>
-            </a:r>
-            <a:r>
-              <a:rPr lang="en-US" sz="1200" dirty="0"/>
-              <a:t> and </a:t>
-            </a:r>
-            <a:r>
-              <a:rPr lang="en-US" sz="1200" dirty="0" err="1"/>
-              <a:t>PolicyName</a:t>
-            </a:r>
-            <a:r>
-              <a:rPr lang="en-US" sz="1200" dirty="0"/>
-              <a:t> to something meaningful, e.g. </a:t>
-            </a:r>
-            <a:r>
-              <a:rPr lang="en-US" sz="1200" dirty="0" err="1"/>
-              <a:t>DualAccountsPolicy</a:t>
-            </a:r>
-            <a:endParaRPr lang="en-US" sz="1200" dirty="0"/>
+              <a:rPr lang="en-US" dirty="0"/>
+              <a:t>This entails modifying a target account platform to add three additional properties: Index, </a:t>
+            </a:r>
+            <a:r>
+              <a:rPr lang="en-US" dirty="0" err="1"/>
+              <a:t>VirtualUserName</a:t>
+            </a:r>
+            <a:r>
+              <a:rPr lang="en-US" dirty="0"/>
+              <a:t>, </a:t>
+            </a:r>
+            <a:r>
+              <a:rPr lang="en-US" dirty="0" err="1"/>
+              <a:t>DualAccountStatus</a:t>
+            </a:r>
+            <a:endParaRPr lang="en-US" dirty="0"/>
+          </a:p>
+          <a:p>
+            <a:pPr>
+              <a:spcBef>
+                <a:spcPts val="400"/>
+              </a:spcBef>
+            </a:pPr>
+            <a:r>
+              <a:rPr lang="en-US" b="1" dirty="0"/>
+              <a:t>Step3: </a:t>
+            </a:r>
+            <a:r>
+              <a:rPr lang="en-US" dirty="0"/>
+              <a:t>“Configure accounts and groups for dual account support”</a:t>
+            </a:r>
           </a:p>
           <a:p>
             <a:pPr lvl="1">
@@ -25335,24 +25252,8 @@
               </a:spcBef>
             </a:pPr>
             <a:r>
-              <a:rPr lang="en-US" sz="1200" dirty="0"/>
-              <a:t>Change the </a:t>
-            </a:r>
-            <a:r>
-              <a:rPr lang="en-US" sz="1200" dirty="0" err="1"/>
-              <a:t>PolicyType</a:t>
-            </a:r>
-            <a:r>
-              <a:rPr lang="en-US" sz="1200" dirty="0"/>
-              <a:t> to </a:t>
-            </a:r>
-            <a:r>
-              <a:rPr lang="en-US" sz="1200" dirty="0" err="1"/>
-              <a:t>RotationalGroup</a:t>
-            </a:r>
-            <a:r>
-              <a:rPr lang="en-US" sz="1200" dirty="0"/>
-              <a:t> (capitalization is significant)</a:t>
+              <a:rPr lang="en-US" dirty="0"/>
+              <a:t>To see the CPM tab and create groups, the safe must have a CPM assigned to it.</a:t>
             </a:r>
           </a:p>
           <a:p>
@@ -25362,129 +25263,8 @@
               </a:spcBef>
             </a:pPr>
             <a:r>
-              <a:rPr lang="en-US" sz="1200" dirty="0"/>
-              <a:t>Add the following lines at the end of the file, no leading or trailing spaces:</a:t>
-            </a:r>
-          </a:p>
-          <a:p>
-            <a:pPr marL="0" indent="0">
-              <a:lnSpc>
-                <a:spcPct val="100000"/>
-              </a:lnSpc>
-              <a:spcBef>
-                <a:spcPts val="400"/>
-              </a:spcBef>
-              <a:buNone/>
-            </a:pPr>
-            <a:r>
-              <a:rPr lang="en-US" sz="1000" b="1" dirty="0">
-                <a:latin typeface="Courier New" panose="02070309020205020404" pitchFamily="49" charset="0"/>
-                <a:cs typeface="Courier New" panose="02070309020205020404" pitchFamily="49" charset="0"/>
-              </a:rPr>
-              <a:t>[</a:t>
-            </a:r>
-            <a:r>
-              <a:rPr lang="en-US" sz="1000" b="1" dirty="0" err="1">
-                <a:latin typeface="Courier New" panose="02070309020205020404" pitchFamily="49" charset="0"/>
-                <a:cs typeface="Courier New" panose="02070309020205020404" pitchFamily="49" charset="0"/>
-              </a:rPr>
-              <a:t>ADExtraInfo</a:t>
-            </a:r>
-            <a:r>
-              <a:rPr lang="en-US" sz="1000" b="1" dirty="0">
-                <a:latin typeface="Courier New" panose="02070309020205020404" pitchFamily="49" charset="0"/>
-                <a:cs typeface="Courier New" panose="02070309020205020404" pitchFamily="49" charset="0"/>
-              </a:rPr>
-              <a:t>]</a:t>
-            </a:r>
-          </a:p>
-          <a:p>
-            <a:pPr marL="0" indent="0">
-              <a:lnSpc>
-                <a:spcPct val="100000"/>
-              </a:lnSpc>
-              <a:spcBef>
-                <a:spcPts val="400"/>
-              </a:spcBef>
-              <a:buNone/>
-            </a:pPr>
-            <a:r>
-              <a:rPr lang="en-US" sz="1000" b="1" dirty="0">
-                <a:latin typeface="Courier New" panose="02070309020205020404" pitchFamily="49" charset="0"/>
-                <a:cs typeface="Courier New" panose="02070309020205020404" pitchFamily="49" charset="0"/>
-              </a:rPr>
-              <a:t>[</a:t>
-            </a:r>
-            <a:r>
-              <a:rPr lang="en-US" sz="1000" b="1" dirty="0" err="1">
-                <a:latin typeface="Courier New" panose="02070309020205020404" pitchFamily="49" charset="0"/>
-                <a:cs typeface="Courier New" panose="02070309020205020404" pitchFamily="49" charset="0"/>
-              </a:rPr>
-              <a:t>ChangeTask</a:t>
-            </a:r>
-            <a:r>
-              <a:rPr lang="en-US" sz="1000" b="1" dirty="0">
-                <a:latin typeface="Courier New" panose="02070309020205020404" pitchFamily="49" charset="0"/>
-                <a:cs typeface="Courier New" panose="02070309020205020404" pitchFamily="49" charset="0"/>
-              </a:rPr>
-              <a:t>]</a:t>
-            </a:r>
-          </a:p>
-          <a:p>
-            <a:pPr marL="0" indent="0">
-              <a:lnSpc>
-                <a:spcPct val="100000"/>
-              </a:lnSpc>
-              <a:spcBef>
-                <a:spcPts val="400"/>
-              </a:spcBef>
-              <a:buNone/>
-            </a:pPr>
-            <a:r>
-              <a:rPr lang="en-US" sz="1000" b="1" dirty="0">
-                <a:latin typeface="Courier New" panose="02070309020205020404" pitchFamily="49" charset="0"/>
-                <a:cs typeface="Courier New" panose="02070309020205020404" pitchFamily="49" charset="0"/>
-              </a:rPr>
-              <a:t>[</a:t>
-            </a:r>
-            <a:r>
-              <a:rPr lang="en-US" sz="1000" b="1" dirty="0" err="1">
-                <a:latin typeface="Courier New" panose="02070309020205020404" pitchFamily="49" charset="0"/>
-                <a:cs typeface="Courier New" panose="02070309020205020404" pitchFamily="49" charset="0"/>
-              </a:rPr>
-              <a:t>ExtraInfo</a:t>
-            </a:r>
-            <a:r>
-              <a:rPr lang="en-US" sz="1000" b="1" dirty="0">
-                <a:latin typeface="Courier New" panose="02070309020205020404" pitchFamily="49" charset="0"/>
-                <a:cs typeface="Courier New" panose="02070309020205020404" pitchFamily="49" charset="0"/>
-              </a:rPr>
-              <a:t>]</a:t>
-            </a:r>
-          </a:p>
-          <a:p>
-            <a:pPr marL="0" indent="0">
-              <a:lnSpc>
-                <a:spcPct val="100000"/>
-              </a:lnSpc>
-              <a:spcBef>
-                <a:spcPts val="400"/>
-              </a:spcBef>
-              <a:buNone/>
-            </a:pPr>
-            <a:r>
-              <a:rPr lang="en-US" sz="1000" b="1" dirty="0" err="1">
-                <a:latin typeface="Courier New" panose="02070309020205020404" pitchFamily="49" charset="0"/>
-                <a:cs typeface="Courier New" panose="02070309020205020404" pitchFamily="49" charset="0"/>
-              </a:rPr>
-              <a:t>GracePeriod</a:t>
-            </a:r>
-            <a:r>
-              <a:rPr lang="en-US" sz="1000" b="1" dirty="0">
-                <a:latin typeface="Courier New" panose="02070309020205020404" pitchFamily="49" charset="0"/>
-                <a:cs typeface="Courier New" panose="02070309020205020404" pitchFamily="49" charset="0"/>
-              </a:rPr>
-              <a:t>=6</a:t>
+              <a:rPr lang="en-US" dirty="0"/>
+              <a:t>Account groups are not first-class UI objects in PVWA. They do not have their own pages for managing their lifecycle. In PVWA, they only appear in the classic UI on account pages under the CPM tab. </a:t>
             </a:r>
           </a:p>
           <a:p>
@@ -25494,39 +25274,12 @@
               </a:spcBef>
             </a:pPr>
             <a:r>
-              <a:rPr lang="en-US" sz="1200" b="1" dirty="0"/>
-              <a:t>NOTE: </a:t>
-            </a:r>
-            <a:r>
-              <a:rPr lang="en-US" sz="1200" dirty="0"/>
-              <a:t>The </a:t>
-            </a:r>
-            <a:r>
-              <a:rPr lang="en-US" sz="1200" dirty="0" err="1"/>
-              <a:t>GracePeriod</a:t>
-            </a:r>
-            <a:r>
-              <a:rPr lang="en-US" sz="1200" dirty="0"/>
-              <a:t> value represents minutes and can be whatever you want. But pro tip – make the initial value low for testing, then change to a longer duration once rotation is functioning properly.</a:t>
-            </a:r>
-          </a:p>
-          <a:p>
-            <a:pPr>
-              <a:spcBef>
-                <a:spcPts val="400"/>
-              </a:spcBef>
-            </a:pPr>
-            <a:r>
-              <a:rPr lang="en-US" sz="1200" dirty="0"/>
-              <a:t>Modify the </a:t>
-            </a:r>
-            <a:r>
-              <a:rPr lang="en-US" sz="1200" b="1" dirty="0"/>
-              <a:t>.xml </a:t>
-            </a:r>
-            <a:r>
-              <a:rPr lang="en-US" sz="1200" dirty="0"/>
-              <a:t>file:</a:t>
+              <a:rPr lang="en-US" b="1" dirty="0"/>
+              <a:t>Step 4: </a:t>
+            </a:r>
+            <a:r>
+              <a:rPr lang="en-US" dirty="0"/>
+              <a:t>“Set the index of the group object”</a:t>
             </a:r>
           </a:p>
           <a:p>
@@ -25536,218 +25289,27 @@
               </a:spcBef>
             </a:pPr>
             <a:r>
-              <a:rPr lang="en-US" sz="1200" dirty="0"/>
-              <a:t>Replace </a:t>
-            </a:r>
-            <a:r>
-              <a:rPr lang="en-US" sz="1200" b="1" dirty="0">
-                <a:latin typeface="Courier New" panose="02070309020205020404" pitchFamily="49" charset="0"/>
-                <a:cs typeface="Courier New" panose="02070309020205020404" pitchFamily="49" charset="0"/>
-              </a:rPr>
-              <a:t>&lt;Optional /&gt; </a:t>
-            </a:r>
-            <a:r>
-              <a:rPr lang="en-US" sz="1200" dirty="0"/>
-              <a:t>with the following block:</a:t>
-            </a:r>
-          </a:p>
-          <a:p>
-            <a:pPr marL="0" indent="0">
-              <a:lnSpc>
-                <a:spcPct val="100000"/>
-              </a:lnSpc>
-              <a:spcBef>
-                <a:spcPts val="400"/>
-              </a:spcBef>
-              <a:buNone/>
-            </a:pPr>
-            <a:r>
-              <a:rPr lang="en-US" sz="1000" b="1" dirty="0">
-                <a:latin typeface="Courier New" panose="02070309020205020404" pitchFamily="49" charset="0"/>
-                <a:cs typeface="Courier New" panose="02070309020205020404" pitchFamily="49" charset="0"/>
-              </a:rPr>
-              <a:t>&lt;Optional&gt;</a:t>
-            </a:r>
-          </a:p>
-          <a:p>
-            <a:pPr marL="0" indent="0">
-              <a:lnSpc>
-                <a:spcPct val="100000"/>
-              </a:lnSpc>
-              <a:spcBef>
-                <a:spcPts val="400"/>
-              </a:spcBef>
-              <a:buNone/>
-            </a:pPr>
-            <a:r>
-              <a:rPr lang="en-US" sz="1000" b="1" dirty="0">
-                <a:latin typeface="Courier New" panose="02070309020205020404" pitchFamily="49" charset="0"/>
-                <a:cs typeface="Courier New" panose="02070309020205020404" pitchFamily="49" charset="0"/>
-              </a:rPr>
-              <a:t>&lt;Property Name=”</a:t>
-            </a:r>
-            <a:r>
-              <a:rPr lang="en-US" sz="1000" b="1" dirty="0" err="1">
-                <a:latin typeface="Courier New" panose="02070309020205020404" pitchFamily="49" charset="0"/>
-                <a:cs typeface="Courier New" panose="02070309020205020404" pitchFamily="49" charset="0"/>
-              </a:rPr>
+              <a:rPr lang="en-US" dirty="0"/>
+              <a:t>The documentation calls for using the Private Ark Client to modify the </a:t>
+            </a:r>
+            <a:r>
+              <a:rPr lang="en-US" dirty="0" err="1"/>
               <a:t>CurrInd</a:t>
             </a:r>
             <a:r>
-              <a:rPr lang="en-US" sz="1000" b="1" dirty="0">
-                <a:latin typeface="Courier New" panose="02070309020205020404" pitchFamily="49" charset="0"/>
-                <a:cs typeface="Courier New" panose="02070309020205020404" pitchFamily="49" charset="0"/>
-              </a:rPr>
-              <a:t>" /&gt;</a:t>
-            </a:r>
-          </a:p>
-          <a:p>
-            <a:pPr marL="0" indent="0">
-              <a:lnSpc>
-                <a:spcPct val="100000"/>
-              </a:lnSpc>
-              <a:spcBef>
-                <a:spcPts val="400"/>
-              </a:spcBef>
-              <a:buNone/>
-            </a:pPr>
-            <a:r>
-              <a:rPr lang="en-US" sz="1000" b="1" dirty="0">
-                <a:latin typeface="Courier New" panose="02070309020205020404" pitchFamily="49" charset="0"/>
-                <a:cs typeface="Courier New" panose="02070309020205020404" pitchFamily="49" charset="0"/>
-              </a:rPr>
-              <a:t>&lt;Property Name="</a:t>
-            </a:r>
-            <a:r>
-              <a:rPr lang="en-US" sz="1000" b="1" dirty="0" err="1">
-                <a:latin typeface="Courier New" panose="02070309020205020404" pitchFamily="49" charset="0"/>
-                <a:cs typeface="Courier New" panose="02070309020205020404" pitchFamily="49" charset="0"/>
-              </a:rPr>
-              <a:t>VirtualUserName</a:t>
-            </a:r>
-            <a:r>
-              <a:rPr lang="en-US" sz="1000" b="1" dirty="0">
-                <a:latin typeface="Courier New" panose="02070309020205020404" pitchFamily="49" charset="0"/>
-                <a:cs typeface="Courier New" panose="02070309020205020404" pitchFamily="49" charset="0"/>
-              </a:rPr>
-              <a:t>" /&gt;</a:t>
-            </a:r>
-          </a:p>
-          <a:p>
-            <a:pPr marL="0" indent="0">
-              <a:lnSpc>
-                <a:spcPct val="100000"/>
-              </a:lnSpc>
-              <a:spcBef>
-                <a:spcPts val="400"/>
-              </a:spcBef>
-              <a:buNone/>
-            </a:pPr>
-            <a:r>
-              <a:rPr lang="en-US" sz="1000" b="1" dirty="0">
-                <a:latin typeface="Courier New" panose="02070309020205020404" pitchFamily="49" charset="0"/>
-                <a:cs typeface="Courier New" panose="02070309020205020404" pitchFamily="49" charset="0"/>
-              </a:rPr>
-              <a:t>&lt;Property Name="Index" /&gt;</a:t>
-            </a:r>
-          </a:p>
-          <a:p>
-            <a:pPr marL="0" indent="0">
-              <a:lnSpc>
-                <a:spcPct val="100000"/>
-              </a:lnSpc>
-              <a:spcBef>
-                <a:spcPts val="400"/>
-              </a:spcBef>
-              <a:buNone/>
-            </a:pPr>
-            <a:r>
-              <a:rPr lang="en-US" sz="1000" b="1" dirty="0">
-                <a:latin typeface="Courier New" panose="02070309020205020404" pitchFamily="49" charset="0"/>
-                <a:cs typeface="Courier New" panose="02070309020205020404" pitchFamily="49" charset="0"/>
-              </a:rPr>
-              <a:t>&lt;Property Name="</a:t>
-            </a:r>
-            <a:r>
-              <a:rPr lang="en-US" sz="1000" b="1" dirty="0" err="1">
-                <a:latin typeface="Courier New" panose="02070309020205020404" pitchFamily="49" charset="0"/>
-                <a:cs typeface="Courier New" panose="02070309020205020404" pitchFamily="49" charset="0"/>
-              </a:rPr>
-              <a:t>DualAccountStatus</a:t>
-            </a:r>
-            <a:r>
-              <a:rPr lang="en-US" sz="1000" b="1" dirty="0">
-                <a:latin typeface="Courier New" panose="02070309020205020404" pitchFamily="49" charset="0"/>
-                <a:cs typeface="Courier New" panose="02070309020205020404" pitchFamily="49" charset="0"/>
-              </a:rPr>
-              <a:t>" /&gt;</a:t>
-            </a:r>
-          </a:p>
-          <a:p>
-            <a:pPr marL="0" indent="0">
-              <a:lnSpc>
-                <a:spcPct val="100000"/>
-              </a:lnSpc>
-              <a:spcBef>
-                <a:spcPts val="400"/>
-              </a:spcBef>
-              <a:buNone/>
-            </a:pPr>
-            <a:r>
-              <a:rPr lang="en-US" sz="1000" b="1" dirty="0">
-                <a:latin typeface="Courier New" panose="02070309020205020404" pitchFamily="49" charset="0"/>
-                <a:cs typeface="Courier New" panose="02070309020205020404" pitchFamily="49" charset="0"/>
-              </a:rPr>
-              <a:t>&lt;/Optional&gt;</a:t>
-            </a:r>
-          </a:p>
-          <a:p>
-            <a:pPr>
+              <a:rPr lang="en-US" dirty="0"/>
+              <a:t> value of a group.</a:t>
+            </a:r>
+          </a:p>
+          <a:p>
+            <a:pPr lvl="1">
               <a:spcBef>
                 <a:spcPts val="400"/>
               </a:spcBef>
             </a:pPr>
             <a:r>
-              <a:rPr lang="en-US" sz="1050" dirty="0"/>
-              <a:t>Create a </a:t>
-            </a:r>
-            <a:r>
-              <a:rPr lang="en-US" sz="1050" dirty="0" err="1"/>
-              <a:t>zipfile</a:t>
-            </a:r>
-            <a:r>
-              <a:rPr lang="en-US" sz="1050" dirty="0"/>
-              <a:t> containing the modified .</a:t>
-            </a:r>
-            <a:r>
-              <a:rPr lang="en-US" sz="1050" dirty="0" err="1"/>
-              <a:t>ini</a:t>
-            </a:r>
-            <a:r>
-              <a:rPr lang="en-US" sz="1050" dirty="0"/>
-              <a:t> and .xml file and import to your Vault.</a:t>
-            </a:r>
-          </a:p>
-          <a:p>
-            <a:pPr>
-              <a:spcBef>
-                <a:spcPts val="400"/>
-              </a:spcBef>
-            </a:pPr>
-            <a:r>
-              <a:rPr lang="en-US" sz="1050" dirty="0"/>
-              <a:t>Verify the new platform appears under Rotational Groups and the Grace Period value is displayed.</a:t>
-            </a:r>
-          </a:p>
-          <a:p>
-            <a:pPr>
-              <a:spcBef>
-                <a:spcPts val="400"/>
-              </a:spcBef>
-            </a:pPr>
-            <a:r>
-              <a:rPr lang="en-US" sz="1050" dirty="0"/>
-              <a:t>Click Edit and navigate to Target Account Platform-&gt;UI &amp; Workflows-&gt;Properties-&gt;Optional  and verify the four properties you added are there.</a:t>
+              <a:rPr lang="en-US" dirty="0"/>
+              <a:t>Fortunately, this step does not appear necessary, given that you cannot use the Private Ark Client with Privilege Cloud.</a:t>
             </a:r>
           </a:p>
         </p:txBody>
@@ -25757,7 +25319,7 @@
           <p:cNvPr id="4" name="Slide Number Placeholder 3">
             <a:extLst>
               <a:ext uri="{FF2B5EF4-FFF2-40B4-BE49-F238E27FC236}">
-                <a16:creationId xmlns:a16="http://schemas.microsoft.com/office/drawing/2014/main" id="{B5781417-B409-7747-B24E-C131F0F31298}"/>
+                <a16:creationId xmlns:a16="http://schemas.microsoft.com/office/drawing/2014/main" id="{E54EB7C1-5E64-0B48-9854-FB655EF861E0}"/>
               </a:ext>
             </a:extLst>
           </p:cNvPr>
@@ -25785,7 +25347,7 @@
     </p:spTree>
     <p:extLst>
       <p:ext uri="{BB962C8B-B14F-4D97-AF65-F5344CB8AC3E}">
-        <p14:creationId xmlns:p14="http://schemas.microsoft.com/office/powerpoint/2010/main" val="98816625"/>
+        <p14:creationId xmlns:p14="http://schemas.microsoft.com/office/powerpoint/2010/main" val="710295219"/>
       </p:ext>
     </p:extLst>
   </p:cSld>
@@ -25814,10 +25376,10 @@
       </p:grpSpPr>
       <p:sp>
         <p:nvSpPr>
-          <p:cNvPr id="3" name="Title 2">
-            <a:extLst>
-              <a:ext uri="{FF2B5EF4-FFF2-40B4-BE49-F238E27FC236}">
-                <a16:creationId xmlns:a16="http://schemas.microsoft.com/office/drawing/2014/main" id="{E26DF846-088C-3240-8ED0-9A93330CD0AC}"/>
+          <p:cNvPr id="2" name="Title 1">
+            <a:extLst>
+              <a:ext uri="{FF2B5EF4-FFF2-40B4-BE49-F238E27FC236}">
+                <a16:creationId xmlns:a16="http://schemas.microsoft.com/office/drawing/2014/main" id="{C059E681-A669-4848-B39E-3DDA42ED3C50}"/>
               </a:ext>
             </a:extLst>
           </p:cNvPr>
@@ -25831,7 +25393,7 @@
         <p:spPr>
           <a:xfrm>
             <a:off x="625258" y="392374"/>
-            <a:ext cx="10961316" cy="387798"/>
+            <a:ext cx="10961316" cy="553998"/>
           </a:xfrm>
         </p:spPr>
         <p:txBody>
@@ -25839,18 +25401,18 @@
           <a:lstStyle/>
           <a:p>
             <a:r>
-              <a:rPr lang="en-US" sz="2800" dirty="0"/>
-              <a:t>Step 2: “Configure the object’s platform for dual account support”</a:t>
+              <a:rPr lang="en-US" dirty="0"/>
+              <a:t>Step 1: “Configure a rotational group platform”</a:t>
             </a:r>
           </a:p>
         </p:txBody>
       </p:sp>
       <p:sp>
         <p:nvSpPr>
-          <p:cNvPr id="4" name="Content Placeholder 3">
-            <a:extLst>
-              <a:ext uri="{FF2B5EF4-FFF2-40B4-BE49-F238E27FC236}">
-                <a16:creationId xmlns:a16="http://schemas.microsoft.com/office/drawing/2014/main" id="{9DED68ED-2A25-5947-AD79-495965A1B212}"/>
+          <p:cNvPr id="3" name="Content Placeholder 2">
+            <a:extLst>
+              <a:ext uri="{FF2B5EF4-FFF2-40B4-BE49-F238E27FC236}">
+                <a16:creationId xmlns:a16="http://schemas.microsoft.com/office/drawing/2014/main" id="{A3A86755-E551-4F44-BFD5-EC6561EB884F}"/>
               </a:ext>
             </a:extLst>
           </p:cNvPr>
@@ -25863,8 +25425,8 @@
         </p:nvSpPr>
         <p:spPr>
           <a:xfrm>
-            <a:off x="600205" y="1141385"/>
-            <a:ext cx="10986369" cy="5716615"/>
+            <a:off x="600205" y="1047683"/>
+            <a:ext cx="10986369" cy="5285739"/>
           </a:xfrm>
         </p:spPr>
         <p:txBody>
@@ -25873,134 +25435,155 @@
           </a:bodyPr>
           <a:lstStyle/>
           <a:p>
-            <a:r>
-              <a:rPr lang="en-US" dirty="0"/>
-              <a:t>Export the the target platform to a local </a:t>
-            </a:r>
-            <a:r>
-              <a:rPr lang="en-US" dirty="0" err="1"/>
+            <a:pPr>
+              <a:spcBef>
+                <a:spcPts val="400"/>
+              </a:spcBef>
+            </a:pPr>
+            <a:r>
+              <a:rPr lang="en-US" sz="1200" dirty="0"/>
+              <a:t>Under Groups, activate the Sample Password Group Platform, export it to a local </a:t>
+            </a:r>
+            <a:r>
+              <a:rPr lang="en-US" sz="1200" dirty="0" err="1"/>
               <a:t>zipfile</a:t>
             </a:r>
             <a:r>
-              <a:rPr lang="en-US" dirty="0"/>
+              <a:rPr lang="en-US" sz="1200" dirty="0"/>
               <a:t> &amp; unzip to create two files:</a:t>
             </a:r>
           </a:p>
           <a:p>
-            <a:pPr lvl="1"/>
-            <a:r>
-              <a:rPr lang="en-US" dirty="0"/>
-              <a:t>&lt;base-platform-id&gt;.</a:t>
-            </a:r>
-            <a:r>
-              <a:rPr lang="en-US" dirty="0" err="1"/>
+            <a:pPr lvl="1">
+              <a:spcBef>
+                <a:spcPts val="400"/>
+              </a:spcBef>
+            </a:pPr>
+            <a:r>
+              <a:rPr lang="en-US" sz="1200" dirty="0"/>
+              <a:t>Policy-</a:t>
+            </a:r>
+            <a:r>
+              <a:rPr lang="en-US" sz="1200" dirty="0" err="1"/>
+              <a:t>SampleGroup.ini</a:t>
+            </a:r>
+            <a:endParaRPr lang="en-US" sz="1200" dirty="0"/>
+          </a:p>
+          <a:p>
+            <a:pPr lvl="1">
+              <a:spcBef>
+                <a:spcPts val="400"/>
+              </a:spcBef>
+            </a:pPr>
+            <a:r>
+              <a:rPr lang="en-US" sz="1200" dirty="0"/>
+              <a:t>Policy-</a:t>
+            </a:r>
+            <a:r>
+              <a:rPr lang="en-US" sz="1200" dirty="0" err="1"/>
+              <a:t>SampleGroup.xml</a:t>
+            </a:r>
+            <a:endParaRPr lang="en-US" sz="1200" dirty="0"/>
+          </a:p>
+          <a:p>
+            <a:pPr>
+              <a:spcBef>
+                <a:spcPts val="400"/>
+              </a:spcBef>
+            </a:pPr>
+            <a:r>
+              <a:rPr lang="en-US" sz="1200" dirty="0"/>
+              <a:t>Modify the </a:t>
+            </a:r>
+            <a:r>
+              <a:rPr lang="en-US" sz="1200" b="1" dirty="0"/>
+              <a:t>.</a:t>
+            </a:r>
+            <a:r>
+              <a:rPr lang="en-US" sz="1200" b="1" dirty="0" err="1"/>
               <a:t>ini</a:t>
             </a:r>
-            <a:endParaRPr lang="en-US" dirty="0"/>
-          </a:p>
-          <a:p>
-            <a:pPr lvl="1"/>
-            <a:r>
-              <a:rPr lang="en-US" dirty="0"/>
-              <a:t>&lt;base-platform-id&gt;.xml</a:t>
-            </a:r>
-          </a:p>
-          <a:p>
-            <a:r>
-              <a:rPr lang="en-US" dirty="0"/>
-              <a:t>Modify the .</a:t>
-            </a:r>
-            <a:r>
-              <a:rPr lang="en-US" dirty="0" err="1"/>
-              <a:t>ini</a:t>
-            </a:r>
-            <a:r>
-              <a:rPr lang="en-US" dirty="0"/>
-              <a:t> file:</a:t>
-            </a:r>
-          </a:p>
-          <a:p>
-            <a:pPr lvl="1"/>
-            <a:r>
-              <a:rPr lang="en-US" dirty="0"/>
-              <a:t>This is the metadata that governs the behavior for any account created for this platform type:</a:t>
-            </a:r>
-          </a:p>
-          <a:p>
-            <a:pPr lvl="2"/>
-            <a:r>
-              <a:rPr lang="en-US" dirty="0"/>
-              <a:t>password change/verification/reconciliation parameters, drivers, etc. </a:t>
-            </a:r>
-          </a:p>
-          <a:p>
-            <a:pPr lvl="1"/>
-            <a:r>
-              <a:rPr lang="en-US" dirty="0"/>
-              <a:t>Modify the </a:t>
-            </a:r>
-            <a:r>
-              <a:rPr lang="en-US" dirty="0" err="1"/>
-              <a:t>PlatformID</a:t>
-            </a:r>
-            <a:r>
-              <a:rPr lang="en-US" dirty="0"/>
-              <a:t> &amp; </a:t>
-            </a:r>
-            <a:r>
-              <a:rPr lang="en-US" dirty="0" err="1"/>
+            <a:r>
+              <a:rPr lang="en-US" sz="1200" b="1" dirty="0"/>
+              <a:t> </a:t>
+            </a:r>
+            <a:r>
+              <a:rPr lang="en-US" sz="1200" dirty="0"/>
+              <a:t>file:</a:t>
+            </a:r>
+          </a:p>
+          <a:p>
+            <a:pPr lvl="1">
+              <a:spcBef>
+                <a:spcPts val="400"/>
+              </a:spcBef>
+            </a:pPr>
+            <a:r>
+              <a:rPr lang="en-US" sz="1200" dirty="0"/>
+              <a:t>Change the </a:t>
+            </a:r>
+            <a:r>
+              <a:rPr lang="en-US" sz="1200" dirty="0" err="1"/>
+              <a:t>PolicyID</a:t>
+            </a:r>
+            <a:r>
+              <a:rPr lang="en-US" sz="1200" dirty="0"/>
+              <a:t> and </a:t>
+            </a:r>
+            <a:r>
+              <a:rPr lang="en-US" sz="1200" dirty="0" err="1"/>
               <a:t>PolicyName</a:t>
             </a:r>
             <a:r>
-              <a:rPr lang="en-US" dirty="0"/>
-              <a:t> to something indicative, e.g. MySQL-Dual</a:t>
-            </a:r>
-          </a:p>
-          <a:p>
-            <a:r>
-              <a:rPr lang="en-US" dirty="0"/>
-              <a:t>Modify the .xml file:</a:t>
-            </a:r>
-          </a:p>
-          <a:p>
-            <a:pPr lvl="1"/>
-            <a:r>
-              <a:rPr lang="en-US" dirty="0"/>
-              <a:t>This is the metadata that (among other things) specifies the required and optional properties of an account.</a:t>
-            </a:r>
-          </a:p>
-          <a:p>
-            <a:pPr lvl="1"/>
-            <a:r>
-              <a:rPr lang="en-US" dirty="0"/>
-              <a:t>Modify the </a:t>
-            </a:r>
-            <a:r>
-              <a:rPr lang="en-US" dirty="0" err="1"/>
-              <a:t>PlatformID</a:t>
-            </a:r>
-            <a:r>
-              <a:rPr lang="en-US" dirty="0"/>
-              <a:t> to match the one in the .</a:t>
-            </a:r>
-            <a:r>
-              <a:rPr lang="en-US" dirty="0" err="1"/>
-              <a:t>ini</a:t>
-            </a:r>
-            <a:r>
-              <a:rPr lang="en-US" dirty="0"/>
-              <a:t> file</a:t>
-            </a:r>
-          </a:p>
-          <a:p>
-            <a:pPr lvl="1"/>
-            <a:r>
-              <a:rPr lang="en-US" dirty="0"/>
-              <a:t>Add the following properties. Making them optional allows using this platform for non-dual account purposes:</a:t>
-            </a:r>
-          </a:p>
-          <a:p>
-            <a:pPr marL="0" lvl="2" indent="0">
+              <a:rPr lang="en-US" sz="1200" dirty="0"/>
+              <a:t> to something meaningful, e.g. </a:t>
+            </a:r>
+            <a:r>
+              <a:rPr lang="en-US" sz="1200" dirty="0" err="1"/>
+              <a:t>DualAccountsPolicy</a:t>
+            </a:r>
+            <a:endParaRPr lang="en-US" sz="1200" dirty="0"/>
+          </a:p>
+          <a:p>
+            <a:pPr lvl="1">
+              <a:spcBef>
+                <a:spcPts val="400"/>
+              </a:spcBef>
+            </a:pPr>
+            <a:r>
+              <a:rPr lang="en-US" sz="1200" dirty="0"/>
+              <a:t>Change the </a:t>
+            </a:r>
+            <a:r>
+              <a:rPr lang="en-US" sz="1200" dirty="0" err="1"/>
+              <a:t>PolicyType</a:t>
+            </a:r>
+            <a:r>
+              <a:rPr lang="en-US" sz="1200" dirty="0"/>
+              <a:t> to </a:t>
+            </a:r>
+            <a:r>
+              <a:rPr lang="en-US" sz="1200" dirty="0" err="1"/>
+              <a:t>RotationalGroup</a:t>
+            </a:r>
+            <a:r>
+              <a:rPr lang="en-US" sz="1200" dirty="0"/>
+              <a:t> (capitalization is significant)</a:t>
+            </a:r>
+          </a:p>
+          <a:p>
+            <a:pPr lvl="1">
+              <a:spcBef>
+                <a:spcPts val="400"/>
+              </a:spcBef>
+            </a:pPr>
+            <a:r>
+              <a:rPr lang="en-US" sz="1200" dirty="0"/>
+              <a:t>Add the following lines at the end of the file, no leading or trailing spaces:</a:t>
+            </a:r>
+          </a:p>
+          <a:p>
+            <a:pPr marL="0" indent="0">
               <a:lnSpc>
                 <a:spcPct val="100000"/>
               </a:lnSpc>
@@ -26014,25 +25597,25 @@
                 <a:latin typeface="Courier New" panose="02070309020205020404" pitchFamily="49" charset="0"/>
                 <a:cs typeface="Courier New" panose="02070309020205020404" pitchFamily="49" charset="0"/>
               </a:rPr>
-              <a:t>&lt;Property Name="</a:t>
+              <a:t>[</a:t>
             </a:r>
             <a:r>
               <a:rPr lang="en-US" sz="1000" b="1" dirty="0" err="1">
                 <a:latin typeface="Courier New" panose="02070309020205020404" pitchFamily="49" charset="0"/>
                 <a:cs typeface="Courier New" panose="02070309020205020404" pitchFamily="49" charset="0"/>
               </a:rPr>
-              <a:t>VirtualUserName</a:t>
+              <a:t>ADExtraInfo</a:t>
             </a:r>
             <a:r>
               <a:rPr lang="en-US" sz="1000" b="1" dirty="0">
                 <a:latin typeface="Courier New" panose="02070309020205020404" pitchFamily="49" charset="0"/>
                 <a:cs typeface="Courier New" panose="02070309020205020404" pitchFamily="49" charset="0"/>
               </a:rPr>
-              <a:t>" /&gt;</a:t>
-            </a:r>
-          </a:p>
-          <a:p>
-            <a:pPr marL="0" lvl="2" indent="0">
+              <a:t>]</a:t>
+            </a:r>
+          </a:p>
+          <a:p>
+            <a:pPr marL="0" indent="0">
               <a:lnSpc>
                 <a:spcPct val="100000"/>
               </a:lnSpc>
@@ -26046,11 +25629,25 @@
                 <a:latin typeface="Courier New" panose="02070309020205020404" pitchFamily="49" charset="0"/>
                 <a:cs typeface="Courier New" panose="02070309020205020404" pitchFamily="49" charset="0"/>
               </a:rPr>
-              <a:t>&lt;Property Name="Index" /&gt;</a:t>
-            </a:r>
-          </a:p>
-          <a:p>
-            <a:pPr marL="0" lvl="2" indent="0">
+              <a:t>[</a:t>
+            </a:r>
+            <a:r>
+              <a:rPr lang="en-US" sz="1000" b="1" dirty="0" err="1">
+                <a:latin typeface="Courier New" panose="02070309020205020404" pitchFamily="49" charset="0"/>
+                <a:cs typeface="Courier New" panose="02070309020205020404" pitchFamily="49" charset="0"/>
+              </a:rPr>
+              <a:t>ChangeTask</a:t>
+            </a:r>
+            <a:r>
+              <a:rPr lang="en-US" sz="1000" b="1" dirty="0">
+                <a:latin typeface="Courier New" panose="02070309020205020404" pitchFamily="49" charset="0"/>
+                <a:cs typeface="Courier New" panose="02070309020205020404" pitchFamily="49" charset="0"/>
+              </a:rPr>
+              <a:t>]</a:t>
+            </a:r>
+          </a:p>
+          <a:p>
+            <a:pPr marL="0" indent="0">
               <a:lnSpc>
                 <a:spcPct val="100000"/>
               </a:lnSpc>
@@ -26064,6 +25661,227 @@
                 <a:latin typeface="Courier New" panose="02070309020205020404" pitchFamily="49" charset="0"/>
                 <a:cs typeface="Courier New" panose="02070309020205020404" pitchFamily="49" charset="0"/>
               </a:rPr>
+              <a:t>[</a:t>
+            </a:r>
+            <a:r>
+              <a:rPr lang="en-US" sz="1000" b="1" dirty="0" err="1">
+                <a:latin typeface="Courier New" panose="02070309020205020404" pitchFamily="49" charset="0"/>
+                <a:cs typeface="Courier New" panose="02070309020205020404" pitchFamily="49" charset="0"/>
+              </a:rPr>
+              <a:t>ExtraInfo</a:t>
+            </a:r>
+            <a:r>
+              <a:rPr lang="en-US" sz="1000" b="1" dirty="0">
+                <a:latin typeface="Courier New" panose="02070309020205020404" pitchFamily="49" charset="0"/>
+                <a:cs typeface="Courier New" panose="02070309020205020404" pitchFamily="49" charset="0"/>
+              </a:rPr>
+              <a:t>]</a:t>
+            </a:r>
+          </a:p>
+          <a:p>
+            <a:pPr marL="0" indent="0">
+              <a:lnSpc>
+                <a:spcPct val="100000"/>
+              </a:lnSpc>
+              <a:spcBef>
+                <a:spcPts val="400"/>
+              </a:spcBef>
+              <a:buNone/>
+            </a:pPr>
+            <a:r>
+              <a:rPr lang="en-US" sz="1000" b="1" dirty="0" err="1">
+                <a:latin typeface="Courier New" panose="02070309020205020404" pitchFamily="49" charset="0"/>
+                <a:cs typeface="Courier New" panose="02070309020205020404" pitchFamily="49" charset="0"/>
+              </a:rPr>
+              <a:t>GracePeriod</a:t>
+            </a:r>
+            <a:r>
+              <a:rPr lang="en-US" sz="1000" b="1" dirty="0">
+                <a:latin typeface="Courier New" panose="02070309020205020404" pitchFamily="49" charset="0"/>
+                <a:cs typeface="Courier New" panose="02070309020205020404" pitchFamily="49" charset="0"/>
+              </a:rPr>
+              <a:t>=6</a:t>
+            </a:r>
+          </a:p>
+          <a:p>
+            <a:pPr>
+              <a:spcBef>
+                <a:spcPts val="400"/>
+              </a:spcBef>
+            </a:pPr>
+            <a:r>
+              <a:rPr lang="en-US" sz="1200" b="1" dirty="0"/>
+              <a:t>NOTE: </a:t>
+            </a:r>
+            <a:r>
+              <a:rPr lang="en-US" sz="1200" dirty="0"/>
+              <a:t>The </a:t>
+            </a:r>
+            <a:r>
+              <a:rPr lang="en-US" sz="1200" dirty="0" err="1"/>
+              <a:t>GracePeriod</a:t>
+            </a:r>
+            <a:r>
+              <a:rPr lang="en-US" sz="1200" dirty="0"/>
+              <a:t> value represents minutes and can be whatever you want. But pro tip – make the initial value low for testing, then change to a longer duration once rotation is functioning properly.</a:t>
+            </a:r>
+          </a:p>
+          <a:p>
+            <a:pPr>
+              <a:spcBef>
+                <a:spcPts val="400"/>
+              </a:spcBef>
+            </a:pPr>
+            <a:r>
+              <a:rPr lang="en-US" sz="1200" dirty="0"/>
+              <a:t>Modify the </a:t>
+            </a:r>
+            <a:r>
+              <a:rPr lang="en-US" sz="1200" b="1" dirty="0"/>
+              <a:t>.xml </a:t>
+            </a:r>
+            <a:r>
+              <a:rPr lang="en-US" sz="1200" dirty="0"/>
+              <a:t>file:</a:t>
+            </a:r>
+          </a:p>
+          <a:p>
+            <a:pPr lvl="1">
+              <a:spcBef>
+                <a:spcPts val="400"/>
+              </a:spcBef>
+            </a:pPr>
+            <a:r>
+              <a:rPr lang="en-US" sz="1200" dirty="0"/>
+              <a:t>Replace </a:t>
+            </a:r>
+            <a:r>
+              <a:rPr lang="en-US" sz="1200" b="1" dirty="0">
+                <a:latin typeface="Courier New" panose="02070309020205020404" pitchFamily="49" charset="0"/>
+                <a:cs typeface="Courier New" panose="02070309020205020404" pitchFamily="49" charset="0"/>
+              </a:rPr>
+              <a:t>&lt;Optional /&gt; </a:t>
+            </a:r>
+            <a:r>
+              <a:rPr lang="en-US" sz="1200" dirty="0"/>
+              <a:t>with the following block:</a:t>
+            </a:r>
+          </a:p>
+          <a:p>
+            <a:pPr marL="0" indent="0">
+              <a:lnSpc>
+                <a:spcPct val="100000"/>
+              </a:lnSpc>
+              <a:spcBef>
+                <a:spcPts val="400"/>
+              </a:spcBef>
+              <a:buNone/>
+            </a:pPr>
+            <a:r>
+              <a:rPr lang="en-US" sz="1000" b="1" dirty="0">
+                <a:latin typeface="Courier New" panose="02070309020205020404" pitchFamily="49" charset="0"/>
+                <a:cs typeface="Courier New" panose="02070309020205020404" pitchFamily="49" charset="0"/>
+              </a:rPr>
+              <a:t>&lt;Optional&gt;</a:t>
+            </a:r>
+          </a:p>
+          <a:p>
+            <a:pPr marL="0" indent="0">
+              <a:lnSpc>
+                <a:spcPct val="100000"/>
+              </a:lnSpc>
+              <a:spcBef>
+                <a:spcPts val="400"/>
+              </a:spcBef>
+              <a:buNone/>
+            </a:pPr>
+            <a:r>
+              <a:rPr lang="en-US" sz="1000" b="1" dirty="0">
+                <a:latin typeface="Courier New" panose="02070309020205020404" pitchFamily="49" charset="0"/>
+                <a:cs typeface="Courier New" panose="02070309020205020404" pitchFamily="49" charset="0"/>
+              </a:rPr>
+              <a:t>&lt;Property Name=”</a:t>
+            </a:r>
+            <a:r>
+              <a:rPr lang="en-US" sz="1000" b="1" dirty="0" err="1">
+                <a:latin typeface="Courier New" panose="02070309020205020404" pitchFamily="49" charset="0"/>
+                <a:cs typeface="Courier New" panose="02070309020205020404" pitchFamily="49" charset="0"/>
+              </a:rPr>
+              <a:t>CurrInd</a:t>
+            </a:r>
+            <a:r>
+              <a:rPr lang="en-US" sz="1000" b="1" dirty="0">
+                <a:latin typeface="Courier New" panose="02070309020205020404" pitchFamily="49" charset="0"/>
+                <a:cs typeface="Courier New" panose="02070309020205020404" pitchFamily="49" charset="0"/>
+              </a:rPr>
+              <a:t>" /&gt;</a:t>
+            </a:r>
+          </a:p>
+          <a:p>
+            <a:pPr marL="0" indent="0">
+              <a:lnSpc>
+                <a:spcPct val="100000"/>
+              </a:lnSpc>
+              <a:spcBef>
+                <a:spcPts val="400"/>
+              </a:spcBef>
+              <a:buNone/>
+            </a:pPr>
+            <a:r>
+              <a:rPr lang="en-US" sz="1000" b="1" dirty="0">
+                <a:latin typeface="Courier New" panose="02070309020205020404" pitchFamily="49" charset="0"/>
+                <a:cs typeface="Courier New" panose="02070309020205020404" pitchFamily="49" charset="0"/>
+              </a:rPr>
+              <a:t>&lt;Property Name="</a:t>
+            </a:r>
+            <a:r>
+              <a:rPr lang="en-US" sz="1000" b="1" dirty="0" err="1">
+                <a:latin typeface="Courier New" panose="02070309020205020404" pitchFamily="49" charset="0"/>
+                <a:cs typeface="Courier New" panose="02070309020205020404" pitchFamily="49" charset="0"/>
+              </a:rPr>
+              <a:t>VirtualUserName</a:t>
+            </a:r>
+            <a:r>
+              <a:rPr lang="en-US" sz="1000" b="1" dirty="0">
+                <a:latin typeface="Courier New" panose="02070309020205020404" pitchFamily="49" charset="0"/>
+                <a:cs typeface="Courier New" panose="02070309020205020404" pitchFamily="49" charset="0"/>
+              </a:rPr>
+              <a:t>" /&gt;</a:t>
+            </a:r>
+          </a:p>
+          <a:p>
+            <a:pPr marL="0" indent="0">
+              <a:lnSpc>
+                <a:spcPct val="100000"/>
+              </a:lnSpc>
+              <a:spcBef>
+                <a:spcPts val="400"/>
+              </a:spcBef>
+              <a:buNone/>
+            </a:pPr>
+            <a:r>
+              <a:rPr lang="en-US" sz="1000" b="1" dirty="0">
+                <a:latin typeface="Courier New" panose="02070309020205020404" pitchFamily="49" charset="0"/>
+                <a:cs typeface="Courier New" panose="02070309020205020404" pitchFamily="49" charset="0"/>
+              </a:rPr>
+              <a:t>&lt;Property Name="Index" /&gt;</a:t>
+            </a:r>
+          </a:p>
+          <a:p>
+            <a:pPr marL="0" indent="0">
+              <a:lnSpc>
+                <a:spcPct val="100000"/>
+              </a:lnSpc>
+              <a:spcBef>
+                <a:spcPts val="400"/>
+              </a:spcBef>
+              <a:buNone/>
+            </a:pPr>
+            <a:r>
+              <a:rPr lang="en-US" sz="1000" b="1" dirty="0">
+                <a:latin typeface="Courier New" panose="02070309020205020404" pitchFamily="49" charset="0"/>
+                <a:cs typeface="Courier New" panose="02070309020205020404" pitchFamily="49" charset="0"/>
+              </a:rPr>
               <a:t>&lt;Property Name="</a:t>
             </a:r>
             <a:r>
@@ -26082,43 +25900,80 @@
             </a:r>
           </a:p>
           <a:p>
-            <a:pPr lvl="1"/>
-            <a:r>
-              <a:rPr lang="en-US" dirty="0"/>
+            <a:pPr marL="0" indent="0">
+              <a:lnSpc>
+                <a:spcPct val="100000"/>
+              </a:lnSpc>
+              <a:spcBef>
+                <a:spcPts val="400"/>
+              </a:spcBef>
+              <a:buNone/>
+            </a:pPr>
+            <a:r>
+              <a:rPr lang="en-US" sz="1000" b="1" dirty="0">
+                <a:latin typeface="Courier New" panose="02070309020205020404" pitchFamily="49" charset="0"/>
+                <a:cs typeface="Courier New" panose="02070309020205020404" pitchFamily="49" charset="0"/>
+              </a:rPr>
+              <a:t>&lt;/Optional&gt;</a:t>
+            </a:r>
+          </a:p>
+          <a:p>
+            <a:pPr>
+              <a:spcBef>
+                <a:spcPts val="400"/>
+              </a:spcBef>
+            </a:pPr>
+            <a:r>
+              <a:rPr lang="en-US" sz="1050" dirty="0"/>
               <a:t>Create a </a:t>
             </a:r>
             <a:r>
-              <a:rPr lang="en-US" dirty="0" err="1"/>
+              <a:rPr lang="en-US" sz="1050" dirty="0" err="1"/>
               <a:t>zipfile</a:t>
             </a:r>
             <a:r>
-              <a:rPr lang="en-US" dirty="0"/>
+              <a:rPr lang="en-US" sz="1050" dirty="0"/>
               <a:t> containing the modified .</a:t>
             </a:r>
             <a:r>
-              <a:rPr lang="en-US" dirty="0" err="1"/>
+              <a:rPr lang="en-US" sz="1050" dirty="0" err="1"/>
               <a:t>ini</a:t>
             </a:r>
             <a:r>
-              <a:rPr lang="en-US" dirty="0"/>
+              <a:rPr lang="en-US" sz="1050" dirty="0"/>
               <a:t> and .xml file and import to your Vault.</a:t>
             </a:r>
           </a:p>
           <a:p>
-            <a:pPr lvl="1"/>
-            <a:r>
-              <a:rPr lang="en-US" dirty="0"/>
-              <a:t>Verify the new target platform appears in the appropriate category, e.g. Databases</a:t>
+            <a:pPr>
+              <a:spcBef>
+                <a:spcPts val="400"/>
+              </a:spcBef>
+            </a:pPr>
+            <a:r>
+              <a:rPr lang="en-US" sz="1050" dirty="0"/>
+              <a:t>Verify the new platform appears under Rotational Groups and the Grace Period value is displayed.</a:t>
+            </a:r>
+          </a:p>
+          <a:p>
+            <a:pPr>
+              <a:spcBef>
+                <a:spcPts val="400"/>
+              </a:spcBef>
+            </a:pPr>
+            <a:r>
+              <a:rPr lang="en-US" sz="1050" dirty="0"/>
+              <a:t>Click Edit and navigate to Target Account Platform-&gt;UI &amp; Workflows-&gt;Properties-&gt;Optional  and verify the four properties you added are there.</a:t>
             </a:r>
           </a:p>
         </p:txBody>
       </p:sp>
       <p:sp>
         <p:nvSpPr>
-          <p:cNvPr id="2" name="Slide Number Placeholder 1">
-            <a:extLst>
-              <a:ext uri="{FF2B5EF4-FFF2-40B4-BE49-F238E27FC236}">
-                <a16:creationId xmlns:a16="http://schemas.microsoft.com/office/drawing/2014/main" id="{A5892DAA-0054-2D4E-8A8B-C7A0E5F58FA6}"/>
+          <p:cNvPr id="4" name="Slide Number Placeholder 3">
+            <a:extLst>
+              <a:ext uri="{FF2B5EF4-FFF2-40B4-BE49-F238E27FC236}">
+                <a16:creationId xmlns:a16="http://schemas.microsoft.com/office/drawing/2014/main" id="{B5781417-B409-7747-B24E-C131F0F31298}"/>
               </a:ext>
             </a:extLst>
           </p:cNvPr>
@@ -26134,7 +25989,7 @@
           <a:bodyPr/>
           <a:lstStyle/>
           <a:p>
-            <a:fld id="{3DB5E446-421A-E746-A83E-D1D14D8D9CBB}" type="slidenum">
+            <a:fld id="{9C4DAF8E-FDD9-D749-9BB5-653BA8DA8860}" type="slidenum">
               <a:rPr lang="en-US" smtClean="0"/>
               <a:pPr/>
               <a:t>7</a:t>
@@ -26146,7 +26001,7 @@
     </p:spTree>
     <p:extLst>
       <p:ext uri="{BB962C8B-B14F-4D97-AF65-F5344CB8AC3E}">
-        <p14:creationId xmlns:p14="http://schemas.microsoft.com/office/powerpoint/2010/main" val="1651291461"/>
+        <p14:creationId xmlns:p14="http://schemas.microsoft.com/office/powerpoint/2010/main" val="98816625"/>
       </p:ext>
     </p:extLst>
   </p:cSld>
@@ -26175,10 +26030,10 @@
       </p:grpSpPr>
       <p:sp>
         <p:nvSpPr>
-          <p:cNvPr id="2" name="Title 1">
-            <a:extLst>
-              <a:ext uri="{FF2B5EF4-FFF2-40B4-BE49-F238E27FC236}">
-                <a16:creationId xmlns:a16="http://schemas.microsoft.com/office/drawing/2014/main" id="{07EF92D2-41BF-054F-BE33-B6ED08E7CE5C}"/>
+          <p:cNvPr id="3" name="Title 2">
+            <a:extLst>
+              <a:ext uri="{FF2B5EF4-FFF2-40B4-BE49-F238E27FC236}">
+                <a16:creationId xmlns:a16="http://schemas.microsoft.com/office/drawing/2014/main" id="{E26DF846-088C-3240-8ED0-9A93330CD0AC}"/>
               </a:ext>
             </a:extLst>
           </p:cNvPr>
@@ -26201,17 +26056,17 @@
           <a:p>
             <a:r>
               <a:rPr lang="en-US" sz="2800" dirty="0"/>
-              <a:t>Step 3: “Configure accounts and groups for dual account support” </a:t>
+              <a:t>Step 2: “Configure the object’s platform for dual account support”</a:t>
             </a:r>
           </a:p>
         </p:txBody>
       </p:sp>
       <p:sp>
         <p:nvSpPr>
-          <p:cNvPr id="3" name="Content Placeholder 2">
-            <a:extLst>
-              <a:ext uri="{FF2B5EF4-FFF2-40B4-BE49-F238E27FC236}">
-                <a16:creationId xmlns:a16="http://schemas.microsoft.com/office/drawing/2014/main" id="{6A8C8A5C-D9CA-084E-A374-77B52846BB72}"/>
+          <p:cNvPr id="4" name="Content Placeholder 3">
+            <a:extLst>
+              <a:ext uri="{FF2B5EF4-FFF2-40B4-BE49-F238E27FC236}">
+                <a16:creationId xmlns:a16="http://schemas.microsoft.com/office/drawing/2014/main" id="{9DED68ED-2A25-5947-AD79-495965A1B212}"/>
               </a:ext>
             </a:extLst>
           </p:cNvPr>
@@ -26224,247 +26079,262 @@
         </p:nvSpPr>
         <p:spPr>
           <a:xfrm>
-            <a:off x="600205" y="1374943"/>
-            <a:ext cx="10986369" cy="5199112"/>
+            <a:off x="600205" y="1141385"/>
+            <a:ext cx="10986369" cy="5716615"/>
           </a:xfrm>
         </p:spPr>
         <p:txBody>
           <a:bodyPr>
-            <a:normAutofit/>
+            <a:noAutofit/>
           </a:bodyPr>
           <a:lstStyle/>
           <a:p>
-            <a:pPr>
+            <a:r>
+              <a:rPr lang="en-US" dirty="0"/>
+              <a:t>Export the the target platform to a local </a:t>
+            </a:r>
+            <a:r>
+              <a:rPr lang="en-US" dirty="0" err="1"/>
+              <a:t>zipfile</a:t>
+            </a:r>
+            <a:r>
+              <a:rPr lang="en-US" dirty="0"/>
+              <a:t> &amp; unzip to create two files:</a:t>
+            </a:r>
+          </a:p>
+          <a:p>
+            <a:pPr lvl="1"/>
+            <a:r>
+              <a:rPr lang="en-US" dirty="0"/>
+              <a:t>&lt;base-platform-id&gt;.</a:t>
+            </a:r>
+            <a:r>
+              <a:rPr lang="en-US" dirty="0" err="1"/>
+              <a:t>ini</a:t>
+            </a:r>
+            <a:endParaRPr lang="en-US" dirty="0"/>
+          </a:p>
+          <a:p>
+            <a:pPr lvl="1"/>
+            <a:r>
+              <a:rPr lang="en-US" dirty="0"/>
+              <a:t>&lt;base-platform-id&gt;.xml</a:t>
+            </a:r>
+          </a:p>
+          <a:p>
+            <a:r>
+              <a:rPr lang="en-US" dirty="0"/>
+              <a:t>Modify the .</a:t>
+            </a:r>
+            <a:r>
+              <a:rPr lang="en-US" dirty="0" err="1"/>
+              <a:t>ini</a:t>
+            </a:r>
+            <a:r>
+              <a:rPr lang="en-US" dirty="0"/>
+              <a:t> file:</a:t>
+            </a:r>
+          </a:p>
+          <a:p>
+            <a:pPr lvl="1"/>
+            <a:r>
+              <a:rPr lang="en-US" dirty="0"/>
+              <a:t>This is the metadata that governs the behavior for any account created for this platform type:</a:t>
+            </a:r>
+          </a:p>
+          <a:p>
+            <a:pPr lvl="2"/>
+            <a:r>
+              <a:rPr lang="en-US" dirty="0"/>
+              <a:t>password change/verification/reconciliation parameters, drivers, etc. </a:t>
+            </a:r>
+          </a:p>
+          <a:p>
+            <a:pPr lvl="1"/>
+            <a:r>
+              <a:rPr lang="en-US" dirty="0"/>
+              <a:t>Modify the </a:t>
+            </a:r>
+            <a:r>
+              <a:rPr lang="en-US" dirty="0" err="1"/>
+              <a:t>PlatformID</a:t>
+            </a:r>
+            <a:r>
+              <a:rPr lang="en-US" dirty="0"/>
+              <a:t> &amp; </a:t>
+            </a:r>
+            <a:r>
+              <a:rPr lang="en-US" dirty="0" err="1"/>
+              <a:t>PolicyName</a:t>
+            </a:r>
+            <a:r>
+              <a:rPr lang="en-US" dirty="0"/>
+              <a:t> to something indicative, e.g. MySQL-Dual</a:t>
+            </a:r>
+          </a:p>
+          <a:p>
+            <a:r>
+              <a:rPr lang="en-US" dirty="0"/>
+              <a:t>Modify the .xml file:</a:t>
+            </a:r>
+          </a:p>
+          <a:p>
+            <a:pPr lvl="1"/>
+            <a:r>
+              <a:rPr lang="en-US" dirty="0"/>
+              <a:t>This is the metadata that (among other things) specifies the required and optional properties of an account.</a:t>
+            </a:r>
+          </a:p>
+          <a:p>
+            <a:pPr lvl="1"/>
+            <a:r>
+              <a:rPr lang="en-US" dirty="0"/>
+              <a:t>Modify the </a:t>
+            </a:r>
+            <a:r>
+              <a:rPr lang="en-US" dirty="0" err="1"/>
+              <a:t>PlatformID</a:t>
+            </a:r>
+            <a:r>
+              <a:rPr lang="en-US" dirty="0"/>
+              <a:t> to match the one in the .</a:t>
+            </a:r>
+            <a:r>
+              <a:rPr lang="en-US" dirty="0" err="1"/>
+              <a:t>ini</a:t>
+            </a:r>
+            <a:r>
+              <a:rPr lang="en-US" dirty="0"/>
+              <a:t> file</a:t>
+            </a:r>
+          </a:p>
+          <a:p>
+            <a:pPr lvl="1"/>
+            <a:r>
+              <a:rPr lang="en-US" dirty="0"/>
+              <a:t>Add the following properties. Making them optional allows using this platform for non-dual account purposes:</a:t>
+            </a:r>
+          </a:p>
+          <a:p>
+            <a:pPr marL="0" lvl="2" indent="0">
+              <a:lnSpc>
+                <a:spcPct val="100000"/>
+              </a:lnSpc>
               <a:spcBef>
                 <a:spcPts val="400"/>
               </a:spcBef>
+              <a:buNone/>
             </a:pPr>
             <a:r>
-              <a:rPr lang="en-US" dirty="0"/>
-              <a:t>Create two accounts that have the </a:t>
-            </a:r>
-            <a:r>
-              <a:rPr lang="en-US" dirty="0" err="1"/>
-              <a:t>PlatformID</a:t>
-            </a:r>
-            <a:r>
-              <a:rPr lang="en-US" dirty="0"/>
-              <a:t> of the target account platform created in step 2. </a:t>
-            </a:r>
-          </a:p>
-          <a:p>
-            <a:pPr lvl="1">
+              <a:rPr lang="en-US" sz="1000" b="1" dirty="0">
+                <a:latin typeface="Courier New" panose="02070309020205020404" pitchFamily="49" charset="0"/>
+                <a:cs typeface="Courier New" panose="02070309020205020404" pitchFamily="49" charset="0"/>
+              </a:rPr>
+              <a:t>&lt;Property Name="</a:t>
+            </a:r>
+            <a:r>
+              <a:rPr lang="en-US" sz="1000" b="1" dirty="0" err="1">
+                <a:latin typeface="Courier New" panose="02070309020205020404" pitchFamily="49" charset="0"/>
+                <a:cs typeface="Courier New" panose="02070309020205020404" pitchFamily="49" charset="0"/>
+              </a:rPr>
+              <a:t>VirtualUserName</a:t>
+            </a:r>
+            <a:r>
+              <a:rPr lang="en-US" sz="1000" b="1" dirty="0">
+                <a:latin typeface="Courier New" panose="02070309020205020404" pitchFamily="49" charset="0"/>
+                <a:cs typeface="Courier New" panose="02070309020205020404" pitchFamily="49" charset="0"/>
+              </a:rPr>
+              <a:t>" /&gt;</a:t>
+            </a:r>
+          </a:p>
+          <a:p>
+            <a:pPr marL="0" lvl="2" indent="0">
+              <a:lnSpc>
+                <a:spcPct val="100000"/>
+              </a:lnSpc>
               <a:spcBef>
                 <a:spcPts val="400"/>
               </a:spcBef>
+              <a:buNone/>
             </a:pPr>
             <a:r>
-              <a:rPr lang="en-US" dirty="0"/>
-              <a:t>The accounts must be in the same safe, and the safe must have a CPM assigned to it.</a:t>
-            </a:r>
-          </a:p>
-          <a:p>
-            <a:pPr>
+              <a:rPr lang="en-US" sz="1000" b="1" dirty="0">
+                <a:latin typeface="Courier New" panose="02070309020205020404" pitchFamily="49" charset="0"/>
+                <a:cs typeface="Courier New" panose="02070309020205020404" pitchFamily="49" charset="0"/>
+              </a:rPr>
+              <a:t>&lt;Property Name="Index" /&gt;</a:t>
+            </a:r>
+          </a:p>
+          <a:p>
+            <a:pPr marL="0" lvl="2" indent="0">
+              <a:lnSpc>
+                <a:spcPct val="100000"/>
+              </a:lnSpc>
               <a:spcBef>
                 <a:spcPts val="400"/>
               </a:spcBef>
+              <a:buNone/>
             </a:pPr>
             <a:r>
+              <a:rPr lang="en-US" sz="1000" b="1" dirty="0">
+                <a:latin typeface="Courier New" panose="02070309020205020404" pitchFamily="49" charset="0"/>
+                <a:cs typeface="Courier New" panose="02070309020205020404" pitchFamily="49" charset="0"/>
+              </a:rPr>
+              <a:t>&lt;Property Name="</a:t>
+            </a:r>
+            <a:r>
+              <a:rPr lang="en-US" sz="1000" b="1" dirty="0" err="1">
+                <a:latin typeface="Courier New" panose="02070309020205020404" pitchFamily="49" charset="0"/>
+                <a:cs typeface="Courier New" panose="02070309020205020404" pitchFamily="49" charset="0"/>
+              </a:rPr>
+              <a:t>DualAccountStatus</a:t>
+            </a:r>
+            <a:r>
+              <a:rPr lang="en-US" sz="1000" b="1" dirty="0">
+                <a:latin typeface="Courier New" panose="02070309020205020404" pitchFamily="49" charset="0"/>
+                <a:cs typeface="Courier New" panose="02070309020205020404" pitchFamily="49" charset="0"/>
+              </a:rPr>
+              <a:t>" /&gt;</a:t>
+            </a:r>
+          </a:p>
+          <a:p>
+            <a:pPr lvl="1"/>
+            <a:r>
               <a:rPr lang="en-US" dirty="0"/>
-              <a:t>Using the classic UI, you must modify each account in a dual account pair.</a:t>
-            </a:r>
-          </a:p>
-          <a:p>
-            <a:pPr>
-              <a:spcBef>
-                <a:spcPts val="400"/>
-              </a:spcBef>
-            </a:pPr>
+              <a:t>Create a </a:t>
+            </a:r>
+            <a:r>
+              <a:rPr lang="en-US" dirty="0" err="1"/>
+              <a:t>zipfile</a:t>
+            </a:r>
             <a:r>
               <a:rPr lang="en-US" dirty="0"/>
-              <a:t>Open one of the accounts in the PVWA classic UI:</a:t>
-            </a:r>
-          </a:p>
-          <a:p>
-            <a:pPr lvl="1">
-              <a:spcBef>
-                <a:spcPts val="400"/>
-              </a:spcBef>
-            </a:pPr>
+              <a:t> containing the modified .</a:t>
+            </a:r>
+            <a:r>
+              <a:rPr lang="en-US" dirty="0" err="1"/>
+              <a:t>ini</a:t>
+            </a:r>
             <a:r>
               <a:rPr lang="en-US" dirty="0"/>
-              <a:t>Under the CPM tab, click “Create New” a specify a unique account group name for the pair of accounts with the Rotational Group as its platform.</a:t>
-            </a:r>
-          </a:p>
-          <a:p>
-            <a:pPr lvl="1">
-              <a:spcBef>
-                <a:spcPts val="400"/>
-              </a:spcBef>
-            </a:pPr>
+              <a:t> and .xml file and import to your Vault.</a:t>
+            </a:r>
+          </a:p>
+          <a:p>
+            <a:pPr lvl="1"/>
             <a:r>
               <a:rPr lang="en-US" dirty="0"/>
-              <a:t>Choose a </a:t>
-            </a:r>
-            <a:r>
-              <a:rPr lang="en-US" dirty="0" err="1"/>
-              <a:t>VirtualUserName</a:t>
-            </a:r>
-            <a:r>
-              <a:rPr lang="en-US" dirty="0"/>
-              <a:t> to represent this pair of accounts.</a:t>
-            </a:r>
-          </a:p>
-          <a:p>
-            <a:pPr lvl="2">
-              <a:spcBef>
-                <a:spcPts val="400"/>
-              </a:spcBef>
-            </a:pPr>
-            <a:r>
-              <a:rPr lang="en-US" dirty="0"/>
-              <a:t>The </a:t>
-            </a:r>
-            <a:r>
-              <a:rPr lang="en-US" dirty="0" err="1"/>
-              <a:t>VirtualUserName</a:t>
-            </a:r>
-            <a:r>
-              <a:rPr lang="en-US" dirty="0"/>
-              <a:t> is effectively the Account Name of the pair of accounts.</a:t>
-            </a:r>
-          </a:p>
-          <a:p>
-            <a:pPr lvl="2">
-              <a:spcBef>
-                <a:spcPts val="400"/>
-              </a:spcBef>
-            </a:pPr>
-            <a:r>
-              <a:rPr lang="en-US" dirty="0"/>
-              <a:t>It appears in Conjur variable names in place of either account name. It is used in CP queries to retrieve the currently active account properties.</a:t>
-            </a:r>
-          </a:p>
-          <a:p>
-            <a:pPr lvl="1">
-              <a:spcBef>
-                <a:spcPts val="400"/>
-              </a:spcBef>
-            </a:pPr>
-            <a:r>
-              <a:rPr lang="en-US" dirty="0"/>
-              <a:t>Set Index property to: 1</a:t>
-            </a:r>
-          </a:p>
-          <a:p>
-            <a:pPr lvl="1">
-              <a:spcBef>
-                <a:spcPts val="400"/>
-              </a:spcBef>
-            </a:pPr>
-            <a:r>
-              <a:rPr lang="en-US" dirty="0"/>
-              <a:t>Set </a:t>
-            </a:r>
-            <a:r>
-              <a:rPr lang="en-US" dirty="0" err="1"/>
-              <a:t>DualAccountStatus</a:t>
-            </a:r>
-            <a:r>
-              <a:rPr lang="en-US" dirty="0"/>
-              <a:t> property to: Active</a:t>
-            </a:r>
-          </a:p>
-          <a:p>
-            <a:pPr>
-              <a:spcBef>
-                <a:spcPts val="400"/>
-              </a:spcBef>
-            </a:pPr>
-            <a:r>
-              <a:rPr lang="en-US" dirty="0"/>
-              <a:t>Open the other account in the PVWA classic UI:</a:t>
-            </a:r>
-          </a:p>
-          <a:p>
-            <a:pPr lvl="1">
-              <a:spcBef>
-                <a:spcPts val="400"/>
-              </a:spcBef>
-            </a:pPr>
-            <a:r>
-              <a:rPr lang="en-US" dirty="0"/>
-              <a:t>Under the CPM tab, click “Modify” and select the group name you created for the first account.</a:t>
-            </a:r>
-          </a:p>
-          <a:p>
-            <a:pPr lvl="1">
-              <a:spcBef>
-                <a:spcPts val="400"/>
-              </a:spcBef>
-            </a:pPr>
-            <a:r>
-              <a:rPr lang="en-US" dirty="0"/>
-              <a:t>Set </a:t>
-            </a:r>
-            <a:r>
-              <a:rPr lang="en-US" dirty="0" err="1"/>
-              <a:t>VirtualUserName</a:t>
-            </a:r>
-            <a:r>
-              <a:rPr lang="en-US" dirty="0"/>
-              <a:t> to the same name as in the first account</a:t>
-            </a:r>
-          </a:p>
-          <a:p>
-            <a:pPr lvl="1">
-              <a:spcBef>
-                <a:spcPts val="400"/>
-              </a:spcBef>
-            </a:pPr>
-            <a:r>
-              <a:rPr lang="en-US" dirty="0"/>
-              <a:t>Set Index property to: 2</a:t>
-            </a:r>
-          </a:p>
-          <a:p>
-            <a:pPr lvl="1">
-              <a:spcBef>
-                <a:spcPts val="400"/>
-              </a:spcBef>
-            </a:pPr>
-            <a:r>
-              <a:rPr lang="en-US" dirty="0"/>
-              <a:t>Set </a:t>
-            </a:r>
-            <a:r>
-              <a:rPr lang="en-US" dirty="0" err="1"/>
-              <a:t>DualAccountStatus</a:t>
-            </a:r>
-            <a:r>
-              <a:rPr lang="en-US" dirty="0"/>
-              <a:t> property to: Inactive</a:t>
-            </a:r>
-          </a:p>
-          <a:p>
-            <a:pPr lvl="1">
-              <a:spcBef>
-                <a:spcPts val="400"/>
-              </a:spcBef>
-            </a:pPr>
-            <a:endParaRPr lang="en-US" dirty="0"/>
-          </a:p>
-          <a:p>
-            <a:endParaRPr lang="en-US" dirty="0"/>
+              <a:t>Verify the new target platform appears in the appropriate category, e.g. Databases</a:t>
+            </a:r>
           </a:p>
         </p:txBody>
       </p:sp>
       <p:sp>
         <p:nvSpPr>
-          <p:cNvPr id="4" name="Slide Number Placeholder 3">
-            <a:extLst>
-              <a:ext uri="{FF2B5EF4-FFF2-40B4-BE49-F238E27FC236}">
-                <a16:creationId xmlns:a16="http://schemas.microsoft.com/office/drawing/2014/main" id="{15D1FB33-20E7-6D4E-A696-89FB394F150A}"/>
+          <p:cNvPr id="2" name="Slide Number Placeholder 1">
+            <a:extLst>
+              <a:ext uri="{FF2B5EF4-FFF2-40B4-BE49-F238E27FC236}">
+                <a16:creationId xmlns:a16="http://schemas.microsoft.com/office/drawing/2014/main" id="{A5892DAA-0054-2D4E-8A8B-C7A0E5F58FA6}"/>
               </a:ext>
             </a:extLst>
           </p:cNvPr>
@@ -26480,7 +26350,7 @@
           <a:bodyPr/>
           <a:lstStyle/>
           <a:p>
-            <a:fld id="{9C4DAF8E-FDD9-D749-9BB5-653BA8DA8860}" type="slidenum">
+            <a:fld id="{3DB5E446-421A-E746-A83E-D1D14D8D9CBB}" type="slidenum">
               <a:rPr lang="en-US" smtClean="0"/>
               <a:pPr/>
               <a:t>8</a:t>
@@ -26492,7 +26362,7 @@
     </p:spTree>
     <p:extLst>
       <p:ext uri="{BB962C8B-B14F-4D97-AF65-F5344CB8AC3E}">
-        <p14:creationId xmlns:p14="http://schemas.microsoft.com/office/powerpoint/2010/main" val="2863723917"/>
+        <p14:creationId xmlns:p14="http://schemas.microsoft.com/office/powerpoint/2010/main" val="1651291461"/>
       </p:ext>
     </p:extLst>
   </p:cSld>
@@ -26524,7 +26394,7 @@
           <p:cNvPr id="2" name="Title 1">
             <a:extLst>
               <a:ext uri="{FF2B5EF4-FFF2-40B4-BE49-F238E27FC236}">
-                <a16:creationId xmlns:a16="http://schemas.microsoft.com/office/drawing/2014/main" id="{2A359213-24AC-9E46-9B5B-B0DB0F96BAED}"/>
+                <a16:creationId xmlns:a16="http://schemas.microsoft.com/office/drawing/2014/main" id="{07EF92D2-41BF-054F-BE33-B6ED08E7CE5C}"/>
               </a:ext>
             </a:extLst>
           </p:cNvPr>
@@ -26535,14 +26405,19 @@
             <p:ph type="title"/>
           </p:nvPr>
         </p:nvSpPr>
-        <p:spPr/>
+        <p:spPr>
+          <a:xfrm>
+            <a:off x="625258" y="392374"/>
+            <a:ext cx="10961316" cy="387798"/>
+          </a:xfrm>
+        </p:spPr>
         <p:txBody>
           <a:bodyPr/>
           <a:lstStyle/>
           <a:p>
             <a:r>
-              <a:rPr lang="en-US" dirty="0"/>
-              <a:t>Step 4: Test Dual Account password rotation</a:t>
+              <a:rPr lang="en-US" sz="2800" dirty="0"/>
+              <a:t>Step 3: “Configure accounts and groups for dual account support” </a:t>
             </a:r>
           </a:p>
         </p:txBody>
@@ -26552,7 +26427,7 @@
           <p:cNvPr id="3" name="Content Placeholder 2">
             <a:extLst>
               <a:ext uri="{FF2B5EF4-FFF2-40B4-BE49-F238E27FC236}">
-                <a16:creationId xmlns:a16="http://schemas.microsoft.com/office/drawing/2014/main" id="{C9A400D1-13F7-CB48-A1E6-F29325C3F39D}"/>
+                <a16:creationId xmlns:a16="http://schemas.microsoft.com/office/drawing/2014/main" id="{6A8C8A5C-D9CA-084E-A374-77B52846BB72}"/>
               </a:ext>
             </a:extLst>
           </p:cNvPr>
@@ -26565,8 +26440,8 @@
         </p:nvSpPr>
         <p:spPr>
           <a:xfrm>
-            <a:off x="600205" y="1374942"/>
-            <a:ext cx="10986369" cy="5316004"/>
+            <a:off x="600205" y="1374943"/>
+            <a:ext cx="10986369" cy="5199112"/>
           </a:xfrm>
         </p:spPr>
         <p:txBody>
@@ -26575,27 +26450,137 @@
           </a:bodyPr>
           <a:lstStyle/>
           <a:p>
+            <a:pPr>
+              <a:spcBef>
+                <a:spcPts val="400"/>
+              </a:spcBef>
+            </a:pPr>
             <a:r>
               <a:rPr lang="en-US" dirty="0"/>
-              <a:t>In PVWA, click on one of the two accounts (doesn’t matter which one) and click “Change”</a:t>
-            </a:r>
-          </a:p>
-          <a:p>
+              <a:t>Create two accounts that have the </a:t>
+            </a:r>
+            <a:r>
+              <a:rPr lang="en-US" dirty="0" err="1"/>
+              <a:t>PlatformID</a:t>
+            </a:r>
             <a:r>
               <a:rPr lang="en-US" dirty="0"/>
-              <a:t>Click “Open” and the account will open with the classic UI.</a:t>
-            </a:r>
-          </a:p>
-          <a:p>
+              <a:t> of the target account platform created in step 2. </a:t>
+            </a:r>
+          </a:p>
+          <a:p>
+            <a:pPr lvl="1">
+              <a:spcBef>
+                <a:spcPts val="400"/>
+              </a:spcBef>
+            </a:pPr>
             <a:r>
               <a:rPr lang="en-US" dirty="0"/>
-              <a:t>Under Account Details, click “Change”, the click “Ok” to trigger immediate password change for the entire group.</a:t>
-            </a:r>
-          </a:p>
-          <a:p>
+              <a:t>The accounts must be in the same safe, and the safe must have a CPM assigned to it.</a:t>
+            </a:r>
+          </a:p>
+          <a:p>
+            <a:pPr>
+              <a:spcBef>
+                <a:spcPts val="400"/>
+              </a:spcBef>
+            </a:pPr>
             <a:r>
               <a:rPr lang="en-US" dirty="0"/>
-              <a:t>Monitor the change process clicking Refresh until you see the </a:t>
+              <a:t>Using the classic UI, you must modify each account in a dual account pair.</a:t>
+            </a:r>
+          </a:p>
+          <a:p>
+            <a:pPr>
+              <a:spcBef>
+                <a:spcPts val="400"/>
+              </a:spcBef>
+            </a:pPr>
+            <a:r>
+              <a:rPr lang="en-US" dirty="0"/>
+              <a:t>Open one of the accounts in the PVWA classic UI:</a:t>
+            </a:r>
+          </a:p>
+          <a:p>
+            <a:pPr lvl="1">
+              <a:spcBef>
+                <a:spcPts val="400"/>
+              </a:spcBef>
+            </a:pPr>
+            <a:r>
+              <a:rPr lang="en-US" dirty="0"/>
+              <a:t>Under the CPM tab, click “Create New” a specify a unique account group name for the pair of accounts with the Rotational Group as its platform.</a:t>
+            </a:r>
+          </a:p>
+          <a:p>
+            <a:pPr lvl="1">
+              <a:spcBef>
+                <a:spcPts val="400"/>
+              </a:spcBef>
+            </a:pPr>
+            <a:r>
+              <a:rPr lang="en-US" dirty="0"/>
+              <a:t>Choose a </a:t>
+            </a:r>
+            <a:r>
+              <a:rPr lang="en-US" dirty="0" err="1"/>
+              <a:t>VirtualUserName</a:t>
+            </a:r>
+            <a:r>
+              <a:rPr lang="en-US" dirty="0"/>
+              <a:t> to represent this pair of accounts.</a:t>
+            </a:r>
+          </a:p>
+          <a:p>
+            <a:pPr lvl="2">
+              <a:spcBef>
+                <a:spcPts val="400"/>
+              </a:spcBef>
+            </a:pPr>
+            <a:r>
+              <a:rPr lang="en-US" dirty="0"/>
+              <a:t>The </a:t>
+            </a:r>
+            <a:r>
+              <a:rPr lang="en-US" dirty="0" err="1"/>
+              <a:t>VirtualUserName</a:t>
+            </a:r>
+            <a:r>
+              <a:rPr lang="en-US" dirty="0"/>
+              <a:t> is effectively the Account Name of the pair of accounts.</a:t>
+            </a:r>
+          </a:p>
+          <a:p>
+            <a:pPr lvl="2">
+              <a:spcBef>
+                <a:spcPts val="400"/>
+              </a:spcBef>
+            </a:pPr>
+            <a:r>
+              <a:rPr lang="en-US" dirty="0"/>
+              <a:t>It appears in Conjur variable names in place of either account name. It is used in CP queries to retrieve the currently active account properties.</a:t>
+            </a:r>
+          </a:p>
+          <a:p>
+            <a:pPr lvl="1">
+              <a:spcBef>
+                <a:spcPts val="400"/>
+              </a:spcBef>
+            </a:pPr>
+            <a:r>
+              <a:rPr lang="en-US" dirty="0"/>
+              <a:t>Set Index property to: 1</a:t>
+            </a:r>
+          </a:p>
+          <a:p>
+            <a:pPr lvl="1">
+              <a:spcBef>
+                <a:spcPts val="400"/>
+              </a:spcBef>
+            </a:pPr>
+            <a:r>
+              <a:rPr lang="en-US" dirty="0"/>
+              <a:t>Set </a:t>
             </a:r>
             <a:r>
               <a:rPr lang="en-US" dirty="0" err="1"/>
@@ -26603,55 +26588,90 @@
             </a:r>
             <a:r>
               <a:rPr lang="en-US" dirty="0"/>
-              <a:t> change.</a:t>
-            </a:r>
-          </a:p>
-          <a:p>
+              <a:t> property to: Active</a:t>
+            </a:r>
+          </a:p>
+          <a:p>
+            <a:pPr>
+              <a:spcBef>
+                <a:spcPts val="400"/>
+              </a:spcBef>
+            </a:pPr>
             <a:r>
               <a:rPr lang="en-US" dirty="0"/>
-              <a:t>Start your timer and when the </a:t>
+              <a:t>Open the other account in the PVWA classic UI:</a:t>
+            </a:r>
+          </a:p>
+          <a:p>
+            <a:pPr lvl="1">
+              <a:spcBef>
+                <a:spcPts val="400"/>
+              </a:spcBef>
+            </a:pPr>
+            <a:r>
+              <a:rPr lang="en-US" dirty="0"/>
+              <a:t>Under the CPM tab, click “Modify” and select the group name you created for the first account.</a:t>
+            </a:r>
+          </a:p>
+          <a:p>
+            <a:pPr lvl="1">
+              <a:spcBef>
+                <a:spcPts val="400"/>
+              </a:spcBef>
+            </a:pPr>
+            <a:r>
+              <a:rPr lang="en-US" dirty="0"/>
+              <a:t>Set </a:t>
             </a:r>
             <a:r>
               <a:rPr lang="en-US" dirty="0" err="1"/>
-              <a:t>GracePeriod</a:t>
+              <a:t>VirtualUserName</a:t>
             </a:r>
             <a:r>
               <a:rPr lang="en-US" dirty="0"/>
-              <a:t> has elapsed, check to that the Inactive account’s password has changed in the account and target system.</a:t>
-            </a:r>
-          </a:p>
-          <a:p>
+              <a:t> to the same name as in the first account</a:t>
+            </a:r>
+          </a:p>
+          <a:p>
+            <a:pPr lvl="1">
+              <a:spcBef>
+                <a:spcPts val="400"/>
+              </a:spcBef>
+            </a:pPr>
             <a:r>
               <a:rPr lang="en-US" dirty="0"/>
-              <a:t>Correct any errors and try again.</a:t>
-            </a:r>
-          </a:p>
-          <a:p>
+              <a:t>Set Index property to: 2</a:t>
+            </a:r>
+          </a:p>
+          <a:p>
+            <a:pPr lvl="1">
+              <a:spcBef>
+                <a:spcPts val="400"/>
+              </a:spcBef>
+            </a:pPr>
             <a:r>
               <a:rPr lang="en-US" dirty="0"/>
-              <a:t>Typical errors are:</a:t>
-            </a:r>
-          </a:p>
-          <a:p>
-            <a:pPr lvl="1"/>
+              <a:t>Set </a:t>
+            </a:r>
+            <a:r>
+              <a:rPr lang="en-US" dirty="0" err="1"/>
+              <a:t>DualAccountStatus</a:t>
+            </a:r>
             <a:r>
               <a:rPr lang="en-US" dirty="0"/>
-              <a:t>Incorrect or missing account properties: address, database, port, user</a:t>
-            </a:r>
-          </a:p>
-          <a:p>
-            <a:pPr lvl="1"/>
-            <a:r>
-              <a:rPr lang="en-US" dirty="0"/>
-              <a:t>Port not open to the CPM’s IP address. To find that in Privilege Cloud, navigate to System Health-&gt;CPM and Accounts Discovery</a:t>
-            </a:r>
-          </a:p>
-          <a:p>
-            <a:pPr lvl="1"/>
-            <a:r>
-              <a:rPr lang="en-US" dirty="0"/>
-              <a:t>Incorrect CPM driver for the target system.</a:t>
-            </a:r>
+              <a:t> property to: Inactive</a:t>
+            </a:r>
+          </a:p>
+          <a:p>
+            <a:pPr lvl="1">
+              <a:spcBef>
+                <a:spcPts val="400"/>
+              </a:spcBef>
+            </a:pPr>
+            <a:endParaRPr lang="en-US" dirty="0"/>
+          </a:p>
+          <a:p>
+            <a:endParaRPr lang="en-US" dirty="0"/>
           </a:p>
         </p:txBody>
       </p:sp>
@@ -26660,7 +26680,7 @@
           <p:cNvPr id="4" name="Slide Number Placeholder 3">
             <a:extLst>
               <a:ext uri="{FF2B5EF4-FFF2-40B4-BE49-F238E27FC236}">
-                <a16:creationId xmlns:a16="http://schemas.microsoft.com/office/drawing/2014/main" id="{AA4E0AAD-8A41-D141-9720-BA5B0CB43118}"/>
+                <a16:creationId xmlns:a16="http://schemas.microsoft.com/office/drawing/2014/main" id="{15D1FB33-20E7-6D4E-A696-89FB394F150A}"/>
               </a:ext>
             </a:extLst>
           </p:cNvPr>
@@ -26688,7 +26708,7 @@
     </p:spTree>
     <p:extLst>
       <p:ext uri="{BB962C8B-B14F-4D97-AF65-F5344CB8AC3E}">
-        <p14:creationId xmlns:p14="http://schemas.microsoft.com/office/powerpoint/2010/main" val="1579025417"/>
+        <p14:creationId xmlns:p14="http://schemas.microsoft.com/office/powerpoint/2010/main" val="2863723917"/>
       </p:ext>
     </p:extLst>
   </p:cSld>
@@ -27584,6 +27604,14 @@
 </file>
 
 <file path=customXml/item1.xml><?xml version="1.0" encoding="utf-8"?>
+<p:properties xmlns:p="http://schemas.microsoft.com/office/2006/metadata/properties" xmlns:xsi="http://www.w3.org/2001/XMLSchema-instance" xmlns:pc="http://schemas.microsoft.com/office/infopath/2007/PartnerControls">
+  <documentManagement>
+    <SEsPresentation xmlns="060e2ab8-df21-4fa9-8bfd-7662923906d3" xsi:nil="true"/>
+  </documentManagement>
+</p:properties>
+</file>
+
+<file path=customXml/item2.xml><?xml version="1.0" encoding="utf-8"?>
 <ct:contentTypeSchema xmlns:ct="http://schemas.microsoft.com/office/2006/metadata/contentType" xmlns:ma="http://schemas.microsoft.com/office/2006/metadata/properties/metaAttributes" ct:_="" ma:_="" ma:contentTypeName="Document" ma:contentTypeID="0x0101007E589E8C16F631429842D409B41FDC75" ma:contentTypeVersion="13" ma:contentTypeDescription="Create a new document." ma:contentTypeScope="" ma:versionID="5576bc13293f913f6f7d5a0522aee751">
   <xsd:schema xmlns:xsd="http://www.w3.org/2001/XMLSchema" xmlns:xs="http://www.w3.org/2001/XMLSchema" xmlns:p="http://schemas.microsoft.com/office/2006/metadata/properties" xmlns:ns2="060e2ab8-df21-4fa9-8bfd-7662923906d3" xmlns:ns3="696952f3-bcec-41c2-a57e-2c883055eb91" targetNamespace="http://schemas.microsoft.com/office/2006/metadata/properties" ma:root="true" ma:fieldsID="4598bd51fd561d315a99c6a96e94c391" ns2:_="" ns3:_="">
     <xsd:import namespace="060e2ab8-df21-4fa9-8bfd-7662923906d3"/>
@@ -27808,14 +27836,6 @@
 </ct:contentTypeSchema>
 </file>
 
-<file path=customXml/item2.xml><?xml version="1.0" encoding="utf-8"?>
-<p:properties xmlns:p="http://schemas.microsoft.com/office/2006/metadata/properties" xmlns:xsi="http://www.w3.org/2001/XMLSchema-instance" xmlns:pc="http://schemas.microsoft.com/office/infopath/2007/PartnerControls">
-  <documentManagement>
-    <SEsPresentation xmlns="060e2ab8-df21-4fa9-8bfd-7662923906d3" xsi:nil="true"/>
-  </documentManagement>
-</p:properties>
-</file>
-
 <file path=customXml/item3.xml><?xml version="1.0" encoding="utf-8"?>
 <?mso-contentType ?>
 <FormTemplates xmlns="http://schemas.microsoft.com/sharepoint/v3/contenttype/forms">
@@ -27826,6 +27846,23 @@
 </file>
 
 <file path=customXml/itemProps1.xml><?xml version="1.0" encoding="utf-8"?>
+<ds:datastoreItem xmlns:ds="http://schemas.openxmlformats.org/officeDocument/2006/customXml" ds:itemID="{B2CF31E7-D442-4961-845E-9629DAD288FE}">
+  <ds:schemaRefs>
+    <ds:schemaRef ds:uri="http://purl.org/dc/elements/1.1/"/>
+    <ds:schemaRef ds:uri="060e2ab8-df21-4fa9-8bfd-7662923906d3"/>
+    <ds:schemaRef ds:uri="http://schemas.microsoft.com/office/2006/documentManagement/types"/>
+    <ds:schemaRef ds:uri="http://purl.org/dc/terms/"/>
+    <ds:schemaRef ds:uri="http://schemas.openxmlformats.org/package/2006/metadata/core-properties"/>
+    <ds:schemaRef ds:uri="http://schemas.microsoft.com/office/infopath/2007/PartnerControls"/>
+    <ds:schemaRef ds:uri="http://schemas.microsoft.com/office/2006/metadata/properties"/>
+    <ds:schemaRef ds:uri="696952f3-bcec-41c2-a57e-2c883055eb91"/>
+    <ds:schemaRef ds:uri="http://www.w3.org/XML/1998/namespace"/>
+    <ds:schemaRef ds:uri="http://purl.org/dc/dcmitype/"/>
+  </ds:schemaRefs>
+</ds:datastoreItem>
+</file>
+
+<file path=customXml/itemProps2.xml><?xml version="1.0" encoding="utf-8"?>
 <ds:datastoreItem xmlns:ds="http://schemas.openxmlformats.org/officeDocument/2006/customXml" ds:itemID="{16256524-E871-462B-AFBD-DDFD8CDDA02C}">
   <ds:schemaRefs>
     <ds:schemaRef ds:uri="http://schemas.microsoft.com/office/2006/metadata/contentType"/>
@@ -27844,23 +27881,6 @@
 </ds:datastoreItem>
 </file>
 
-<file path=customXml/itemProps2.xml><?xml version="1.0" encoding="utf-8"?>
-<ds:datastoreItem xmlns:ds="http://schemas.openxmlformats.org/officeDocument/2006/customXml" ds:itemID="{B2CF31E7-D442-4961-845E-9629DAD288FE}">
-  <ds:schemaRefs>
-    <ds:schemaRef ds:uri="http://purl.org/dc/elements/1.1/"/>
-    <ds:schemaRef ds:uri="060e2ab8-df21-4fa9-8bfd-7662923906d3"/>
-    <ds:schemaRef ds:uri="http://schemas.microsoft.com/office/2006/documentManagement/types"/>
-    <ds:schemaRef ds:uri="http://purl.org/dc/terms/"/>
-    <ds:schemaRef ds:uri="http://schemas.openxmlformats.org/package/2006/metadata/core-properties"/>
-    <ds:schemaRef ds:uri="http://schemas.microsoft.com/office/infopath/2007/PartnerControls"/>
-    <ds:schemaRef ds:uri="http://schemas.microsoft.com/office/2006/metadata/properties"/>
-    <ds:schemaRef ds:uri="696952f3-bcec-41c2-a57e-2c883055eb91"/>
-    <ds:schemaRef ds:uri="http://www.w3.org/XML/1998/namespace"/>
-    <ds:schemaRef ds:uri="http://purl.org/dc/dcmitype/"/>
-  </ds:schemaRefs>
-</ds:datastoreItem>
-</file>
-
 <file path=customXml/itemProps3.xml><?xml version="1.0" encoding="utf-8"?>
 <ds:datastoreItem xmlns:ds="http://schemas.openxmlformats.org/officeDocument/2006/customXml" ds:itemID="{3F2E026A-A33B-42EC-8B75-C574BED8D32D}">
   <ds:schemaRefs>
